--- a/Seminar/Gaussian Mixture Model/Presentation files/Gaussian Mixture.pptx
+++ b/Seminar/Gaussian Mixture Model/Presentation files/Gaussian Mixture.pptx
@@ -2081,7 +2081,7 @@
           <a:p>
             <a:fld id="{B0B7CCE6-DF56-42D2-9D0F-6C3610721DDD}" type="datetimeFigureOut">
               <a:rPr lang="ko-KR" altLang="en-US" smtClean="0"/>
-              <a:t>2022-08-05</a:t>
+              <a:t>2022-08-17</a:t>
             </a:fld>
             <a:endParaRPr lang="ko-KR" altLang="en-US"/>
           </a:p>
@@ -3125,7 +3125,7 @@
           <a:p>
             <a:fld id="{7DB28003-DF03-41C2-8C10-F247FE05167B}" type="datetimeFigureOut">
               <a:rPr lang="ko-KR" altLang="en-US" smtClean="0"/>
-              <a:t>2022-08-05</a:t>
+              <a:t>2022-08-17</a:t>
             </a:fld>
             <a:endParaRPr lang="ko-KR" altLang="en-US"/>
           </a:p>
@@ -3433,7 +3433,7 @@
           <a:p>
             <a:fld id="{7DB28003-DF03-41C2-8C10-F247FE05167B}" type="datetimeFigureOut">
               <a:rPr lang="ko-KR" altLang="en-US" smtClean="0"/>
-              <a:t>2022-08-05</a:t>
+              <a:t>2022-08-17</a:t>
             </a:fld>
             <a:endParaRPr lang="ko-KR" altLang="en-US"/>
           </a:p>
@@ -3641,7 +3641,7 @@
           <a:p>
             <a:fld id="{7DB28003-DF03-41C2-8C10-F247FE05167B}" type="datetimeFigureOut">
               <a:rPr lang="ko-KR" altLang="en-US" smtClean="0"/>
-              <a:t>2022-08-05</a:t>
+              <a:t>2022-08-17</a:t>
             </a:fld>
             <a:endParaRPr lang="ko-KR" altLang="en-US"/>
           </a:p>
@@ -3839,7 +3839,7 @@
           <a:p>
             <a:fld id="{7DB28003-DF03-41C2-8C10-F247FE05167B}" type="datetimeFigureOut">
               <a:rPr lang="ko-KR" altLang="en-US" smtClean="0"/>
-              <a:t>2022-08-05</a:t>
+              <a:t>2022-08-17</a:t>
             </a:fld>
             <a:endParaRPr lang="ko-KR" altLang="en-US"/>
           </a:p>
@@ -4119,7 +4119,7 @@
           <a:p>
             <a:fld id="{7DB28003-DF03-41C2-8C10-F247FE05167B}" type="datetimeFigureOut">
               <a:rPr lang="ko-KR" altLang="en-US" smtClean="0"/>
-              <a:t>2022-08-05</a:t>
+              <a:t>2022-08-17</a:t>
             </a:fld>
             <a:endParaRPr lang="ko-KR" altLang="en-US"/>
           </a:p>
@@ -4575,7 +4575,7 @@
           <a:p>
             <a:fld id="{7DB28003-DF03-41C2-8C10-F247FE05167B}" type="datetimeFigureOut">
               <a:rPr lang="ko-KR" altLang="en-US" smtClean="0"/>
-              <a:t>2022-08-05</a:t>
+              <a:t>2022-08-17</a:t>
             </a:fld>
             <a:endParaRPr lang="ko-KR" altLang="en-US"/>
           </a:p>
@@ -4987,7 +4987,7 @@
           <a:p>
             <a:fld id="{7DB28003-DF03-41C2-8C10-F247FE05167B}" type="datetimeFigureOut">
               <a:rPr lang="ko-KR" altLang="en-US" smtClean="0"/>
-              <a:t>2022-08-05</a:t>
+              <a:t>2022-08-17</a:t>
             </a:fld>
             <a:endParaRPr lang="ko-KR" altLang="en-US"/>
           </a:p>
@@ -5197,7 +5197,7 @@
           <a:p>
             <a:fld id="{7DB28003-DF03-41C2-8C10-F247FE05167B}" type="datetimeFigureOut">
               <a:rPr lang="ko-KR" altLang="en-US" smtClean="0"/>
-              <a:t>2022-08-05</a:t>
+              <a:t>2022-08-17</a:t>
             </a:fld>
             <a:endParaRPr lang="ko-KR" altLang="en-US"/>
           </a:p>
@@ -5446,7 +5446,7 @@
           <a:p>
             <a:fld id="{7DB28003-DF03-41C2-8C10-F247FE05167B}" type="datetimeFigureOut">
               <a:rPr lang="ko-KR" altLang="en-US" smtClean="0"/>
-              <a:t>2022-08-05</a:t>
+              <a:t>2022-08-17</a:t>
             </a:fld>
             <a:endParaRPr lang="ko-KR" altLang="en-US"/>
           </a:p>
@@ -5757,7 +5757,7 @@
           <a:p>
             <a:fld id="{7DB28003-DF03-41C2-8C10-F247FE05167B}" type="datetimeFigureOut">
               <a:rPr lang="ko-KR" altLang="en-US" smtClean="0"/>
-              <a:t>2022-08-05</a:t>
+              <a:t>2022-08-17</a:t>
             </a:fld>
             <a:endParaRPr lang="ko-KR" altLang="en-US"/>
           </a:p>
@@ -6045,7 +6045,7 @@
           <a:p>
             <a:fld id="{7DB28003-DF03-41C2-8C10-F247FE05167B}" type="datetimeFigureOut">
               <a:rPr lang="ko-KR" altLang="en-US" smtClean="0"/>
-              <a:t>2022-08-05</a:t>
+              <a:t>2022-08-17</a:t>
             </a:fld>
             <a:endParaRPr lang="ko-KR" altLang="en-US"/>
           </a:p>
@@ -6286,7 +6286,7 @@
           <a:p>
             <a:fld id="{7DB28003-DF03-41C2-8C10-F247FE05167B}" type="datetimeFigureOut">
               <a:rPr lang="ko-KR" altLang="en-US" smtClean="0"/>
-              <a:t>2022-08-05</a:t>
+              <a:t>2022-08-17</a:t>
             </a:fld>
             <a:endParaRPr lang="ko-KR" altLang="en-US"/>
           </a:p>
@@ -6703,6 +6703,45 @@
           <a:chExt cx="0" cy="0"/>
         </a:xfrm>
       </p:grpSpPr>
+      <p:pic>
+        <p:nvPicPr>
+          <p:cNvPr id="1026" name="Picture 2" descr="ㅈ">
+            <a:extLst>
+              <a:ext uri="{FF2B5EF4-FFF2-40B4-BE49-F238E27FC236}">
+                <a16:creationId xmlns:a16="http://schemas.microsoft.com/office/drawing/2014/main" id="{0398CC61-983E-3CD2-FBA0-C6EE487A11A6}"/>
+              </a:ext>
+            </a:extLst>
+          </p:cNvPr>
+          <p:cNvPicPr>
+            <a:picLocks noChangeAspect="1" noChangeArrowheads="1"/>
+          </p:cNvPicPr>
+          <p:nvPr/>
+        </p:nvPicPr>
+        <p:blipFill>
+          <a:blip r:embed="rId2">
+            <a:alphaModFix amt="3000"/>
+            <a:extLst>
+              <a:ext uri="{28A0092B-C50C-407E-A947-70E740481C1C}">
+                <a14:useLocalDpi xmlns:a14="http://schemas.microsoft.com/office/drawing/2010/main" val="0"/>
+              </a:ext>
+            </a:extLst>
+          </a:blip>
+          <a:srcRect/>
+          <a:stretch>
+            <a:fillRect/>
+          </a:stretch>
+        </p:blipFill>
+        <p:spPr bwMode="auto">
+          <a:xfrm>
+            <a:off x="4514850" y="1600200"/>
+            <a:ext cx="3162300" cy="3162300"/>
+          </a:xfrm>
+          <a:prstGeom prst="rect">
+            <a:avLst/>
+          </a:prstGeom>
+          <a:noFill/>
+        </p:spPr>
+      </p:pic>
       <p:sp>
         <p:nvSpPr>
           <p:cNvPr id="2" name="제목 1">
@@ -6975,8 +7014,8 @@
           </a:p>
         </p:txBody>
       </p:sp>
-      <mc:AlternateContent xmlns:mc="http://schemas.openxmlformats.org/markup-compatibility/2006">
-        <mc:Choice xmlns:a14="http://schemas.microsoft.com/office/drawing/2010/main" Requires="a14">
+      <mc:AlternateContent xmlns:mc="http://schemas.openxmlformats.org/markup-compatibility/2006" xmlns:a14="http://schemas.microsoft.com/office/drawing/2010/main">
+        <mc:Choice Requires="a14">
           <p:sp>
             <p:nvSpPr>
               <p:cNvPr id="29" name="TextBox 28">
@@ -7005,6 +7044,7 @@
               </a:bodyPr>
               <a:lstStyle/>
               <a:p>
+                <a:pPr/>
                 <a14:m>
                   <m:oMathPara xmlns:m="http://schemas.openxmlformats.org/officeDocument/2006/math">
                     <m:oMathParaPr>
@@ -7321,7 +7361,7 @@
             </p:txBody>
           </p:sp>
         </mc:Choice>
-        <mc:Fallback>
+        <mc:Fallback xmlns="">
           <p:sp>
             <p:nvSpPr>
               <p:cNvPr id="29" name="TextBox 28">
@@ -7366,8 +7406,8 @@
           </p:sp>
         </mc:Fallback>
       </mc:AlternateContent>
-      <mc:AlternateContent xmlns:mc="http://schemas.openxmlformats.org/markup-compatibility/2006">
-        <mc:Choice xmlns:a14="http://schemas.microsoft.com/office/drawing/2010/main" Requires="a14">
+      <mc:AlternateContent xmlns:mc="http://schemas.openxmlformats.org/markup-compatibility/2006" xmlns:a14="http://schemas.microsoft.com/office/drawing/2010/main">
+        <mc:Choice Requires="a14">
           <p:sp>
             <p:nvSpPr>
               <p:cNvPr id="5" name="TextBox 4">
@@ -7613,7 +7653,7 @@
             </p:txBody>
           </p:sp>
         </mc:Choice>
-        <mc:Fallback>
+        <mc:Fallback xmlns="">
           <p:sp>
             <p:nvSpPr>
               <p:cNvPr id="5" name="TextBox 4">
@@ -7658,8 +7698,8 @@
           </p:sp>
         </mc:Fallback>
       </mc:AlternateContent>
-      <mc:AlternateContent xmlns:mc="http://schemas.openxmlformats.org/markup-compatibility/2006">
-        <mc:Choice xmlns:a14="http://schemas.microsoft.com/office/drawing/2010/main" Requires="a14">
+      <mc:AlternateContent xmlns:mc="http://schemas.openxmlformats.org/markup-compatibility/2006" xmlns:a14="http://schemas.microsoft.com/office/drawing/2010/main">
+        <mc:Choice Requires="a14">
           <p:sp>
             <p:nvSpPr>
               <p:cNvPr id="6" name="TextBox 5">
@@ -7784,7 +7824,7 @@
             </p:txBody>
           </p:sp>
         </mc:Choice>
-        <mc:Fallback>
+        <mc:Fallback xmlns="">
           <p:sp>
             <p:nvSpPr>
               <p:cNvPr id="6" name="TextBox 5">
@@ -11865,8 +11905,8 @@
           </p:txBody>
         </p:sp>
       </p:grpSp>
-      <mc:AlternateContent xmlns:mc="http://schemas.openxmlformats.org/markup-compatibility/2006">
-        <mc:Choice xmlns:a14="http://schemas.microsoft.com/office/drawing/2010/main" Requires="a14">
+      <mc:AlternateContent xmlns:mc="http://schemas.openxmlformats.org/markup-compatibility/2006" xmlns:a14="http://schemas.microsoft.com/office/drawing/2010/main">
+        <mc:Choice Requires="a14">
           <p:sp>
             <p:nvSpPr>
               <p:cNvPr id="30" name="TextBox 29">
@@ -11973,7 +12013,7 @@
             </p:txBody>
           </p:sp>
         </mc:Choice>
-        <mc:Fallback>
+        <mc:Fallback xmlns="">
           <p:sp>
             <p:nvSpPr>
               <p:cNvPr id="30" name="TextBox 29">
@@ -12018,8 +12058,8 @@
           </p:sp>
         </mc:Fallback>
       </mc:AlternateContent>
-      <mc:AlternateContent xmlns:mc="http://schemas.openxmlformats.org/markup-compatibility/2006">
-        <mc:Choice xmlns:a14="http://schemas.microsoft.com/office/drawing/2010/main" Requires="a14">
+      <mc:AlternateContent xmlns:mc="http://schemas.openxmlformats.org/markup-compatibility/2006" xmlns:a14="http://schemas.microsoft.com/office/drawing/2010/main">
+        <mc:Choice Requires="a14">
           <p:sp>
             <p:nvSpPr>
               <p:cNvPr id="31" name="TextBox 30">
@@ -12091,7 +12131,7 @@
             </p:txBody>
           </p:sp>
         </mc:Choice>
-        <mc:Fallback>
+        <mc:Fallback xmlns="">
           <p:sp>
             <p:nvSpPr>
               <p:cNvPr id="31" name="TextBox 30">
@@ -12136,8 +12176,8 @@
           </p:sp>
         </mc:Fallback>
       </mc:AlternateContent>
-      <mc:AlternateContent xmlns:mc="http://schemas.openxmlformats.org/markup-compatibility/2006">
-        <mc:Choice xmlns:a14="http://schemas.microsoft.com/office/drawing/2010/main" Requires="a14">
+      <mc:AlternateContent xmlns:mc="http://schemas.openxmlformats.org/markup-compatibility/2006" xmlns:a14="http://schemas.microsoft.com/office/drawing/2010/main">
+        <mc:Choice Requires="a14">
           <p:sp>
             <p:nvSpPr>
               <p:cNvPr id="32" name="TextBox 31">
@@ -12209,7 +12249,7 @@
             </p:txBody>
           </p:sp>
         </mc:Choice>
-        <mc:Fallback>
+        <mc:Fallback xmlns="">
           <p:sp>
             <p:nvSpPr>
               <p:cNvPr id="32" name="TextBox 31">
@@ -12254,8 +12294,8 @@
           </p:sp>
         </mc:Fallback>
       </mc:AlternateContent>
-      <mc:AlternateContent xmlns:mc="http://schemas.openxmlformats.org/markup-compatibility/2006">
-        <mc:Choice xmlns:a14="http://schemas.microsoft.com/office/drawing/2010/main" Requires="a14">
+      <mc:AlternateContent xmlns:mc="http://schemas.openxmlformats.org/markup-compatibility/2006" xmlns:a14="http://schemas.microsoft.com/office/drawing/2010/main">
+        <mc:Choice Requires="a14">
           <p:sp>
             <p:nvSpPr>
               <p:cNvPr id="33" name="TextBox 32">
@@ -12327,7 +12367,7 @@
             </p:txBody>
           </p:sp>
         </mc:Choice>
-        <mc:Fallback>
+        <mc:Fallback xmlns="">
           <p:sp>
             <p:nvSpPr>
               <p:cNvPr id="33" name="TextBox 32">
@@ -12372,8 +12412,8 @@
           </p:sp>
         </mc:Fallback>
       </mc:AlternateContent>
-      <mc:AlternateContent xmlns:mc="http://schemas.openxmlformats.org/markup-compatibility/2006">
-        <mc:Choice xmlns:a14="http://schemas.microsoft.com/office/drawing/2010/main" Requires="a14">
+      <mc:AlternateContent xmlns:mc="http://schemas.openxmlformats.org/markup-compatibility/2006" xmlns:a14="http://schemas.microsoft.com/office/drawing/2010/main">
+        <mc:Choice Requires="a14">
           <p:sp>
             <p:nvSpPr>
               <p:cNvPr id="34" name="TextBox 33">
@@ -12402,6 +12442,7 @@
               </a:bodyPr>
               <a:lstStyle/>
               <a:p>
+                <a:pPr/>
                 <a14:m>
                   <m:oMathPara xmlns:m="http://schemas.openxmlformats.org/officeDocument/2006/math">
                     <m:oMathParaPr>
@@ -12544,7 +12585,7 @@
             </p:txBody>
           </p:sp>
         </mc:Choice>
-        <mc:Fallback>
+        <mc:Fallback xmlns="">
           <p:sp>
             <p:nvSpPr>
               <p:cNvPr id="34" name="TextBox 33">
@@ -14794,8 +14835,8 @@
             </a:fontRef>
           </p:style>
         </p:cxnSp>
-        <mc:AlternateContent xmlns:mc="http://schemas.openxmlformats.org/markup-compatibility/2006">
-          <mc:Choice xmlns:a14="http://schemas.microsoft.com/office/drawing/2010/main" Requires="a14">
+        <mc:AlternateContent xmlns:mc="http://schemas.openxmlformats.org/markup-compatibility/2006" xmlns:a14="http://schemas.microsoft.com/office/drawing/2010/main">
+          <mc:Choice Requires="a14">
             <p:sp>
               <p:nvSpPr>
                 <p:cNvPr id="14" name="TextBox 13">
@@ -14870,7 +14911,7 @@
               </p:txBody>
             </p:sp>
           </mc:Choice>
-          <mc:Fallback>
+          <mc:Fallback xmlns="">
             <p:sp>
               <p:nvSpPr>
                 <p:cNvPr id="14" name="TextBox 13">
@@ -14915,8 +14956,8 @@
             </p:sp>
           </mc:Fallback>
         </mc:AlternateContent>
-        <mc:AlternateContent xmlns:mc="http://schemas.openxmlformats.org/markup-compatibility/2006">
-          <mc:Choice xmlns:a14="http://schemas.microsoft.com/office/drawing/2010/main" Requires="a14">
+        <mc:AlternateContent xmlns:mc="http://schemas.openxmlformats.org/markup-compatibility/2006" xmlns:a14="http://schemas.microsoft.com/office/drawing/2010/main">
+          <mc:Choice Requires="a14">
             <p:sp>
               <p:nvSpPr>
                 <p:cNvPr id="25" name="TextBox 24">
@@ -14991,7 +15032,7 @@
               </p:txBody>
             </p:sp>
           </mc:Choice>
-          <mc:Fallback>
+          <mc:Fallback xmlns="">
             <p:sp>
               <p:nvSpPr>
                 <p:cNvPr id="25" name="TextBox 24">
@@ -15036,8 +15077,8 @@
             </p:sp>
           </mc:Fallback>
         </mc:AlternateContent>
-        <mc:AlternateContent xmlns:mc="http://schemas.openxmlformats.org/markup-compatibility/2006">
-          <mc:Choice xmlns:a14="http://schemas.microsoft.com/office/drawing/2010/main" Requires="a14">
+        <mc:AlternateContent xmlns:mc="http://schemas.openxmlformats.org/markup-compatibility/2006" xmlns:a14="http://schemas.microsoft.com/office/drawing/2010/main">
+          <mc:Choice Requires="a14">
             <p:sp>
               <p:nvSpPr>
                 <p:cNvPr id="26" name="TextBox 25">
@@ -15112,7 +15153,7 @@
               </p:txBody>
             </p:sp>
           </mc:Choice>
-          <mc:Fallback>
+          <mc:Fallback xmlns="">
             <p:sp>
               <p:nvSpPr>
                 <p:cNvPr id="26" name="TextBox 25">
@@ -18147,8 +18188,8 @@
           </a:fontRef>
         </p:style>
       </p:cxnSp>
-      <mc:AlternateContent xmlns:mc="http://schemas.openxmlformats.org/markup-compatibility/2006">
-        <mc:Choice xmlns:a14="http://schemas.microsoft.com/office/drawing/2010/main" Requires="a14">
+      <mc:AlternateContent xmlns:mc="http://schemas.openxmlformats.org/markup-compatibility/2006" xmlns:a14="http://schemas.microsoft.com/office/drawing/2010/main">
+        <mc:Choice Requires="a14">
           <p:sp>
             <p:nvSpPr>
               <p:cNvPr id="42" name="TextBox 41">
@@ -18223,7 +18264,7 @@
             </p:txBody>
           </p:sp>
         </mc:Choice>
-        <mc:Fallback>
+        <mc:Fallback xmlns="">
           <p:sp>
             <p:nvSpPr>
               <p:cNvPr id="42" name="TextBox 41">
@@ -18268,8 +18309,8 @@
           </p:sp>
         </mc:Fallback>
       </mc:AlternateContent>
-      <mc:AlternateContent xmlns:mc="http://schemas.openxmlformats.org/markup-compatibility/2006">
-        <mc:Choice xmlns:a14="http://schemas.microsoft.com/office/drawing/2010/main" Requires="a14">
+      <mc:AlternateContent xmlns:mc="http://schemas.openxmlformats.org/markup-compatibility/2006" xmlns:a14="http://schemas.microsoft.com/office/drawing/2010/main">
+        <mc:Choice Requires="a14">
           <p:sp>
             <p:nvSpPr>
               <p:cNvPr id="43" name="TextBox 42">
@@ -18344,7 +18385,7 @@
             </p:txBody>
           </p:sp>
         </mc:Choice>
-        <mc:Fallback>
+        <mc:Fallback xmlns="">
           <p:sp>
             <p:nvSpPr>
               <p:cNvPr id="43" name="TextBox 42">
@@ -18389,8 +18430,8 @@
           </p:sp>
         </mc:Fallback>
       </mc:AlternateContent>
-      <mc:AlternateContent xmlns:mc="http://schemas.openxmlformats.org/markup-compatibility/2006">
-        <mc:Choice xmlns:a14="http://schemas.microsoft.com/office/drawing/2010/main" Requires="a14">
+      <mc:AlternateContent xmlns:mc="http://schemas.openxmlformats.org/markup-compatibility/2006" xmlns:a14="http://schemas.microsoft.com/office/drawing/2010/main">
+        <mc:Choice Requires="a14">
           <p:sp>
             <p:nvSpPr>
               <p:cNvPr id="44" name="TextBox 43">
@@ -18465,7 +18506,7 @@
             </p:txBody>
           </p:sp>
         </mc:Choice>
-        <mc:Fallback>
+        <mc:Fallback xmlns="">
           <p:sp>
             <p:nvSpPr>
               <p:cNvPr id="44" name="TextBox 43">
@@ -19377,8 +19418,8 @@
             </p:style>
           </p:cxnSp>
         </p:grpSp>
-        <mc:AlternateContent xmlns:mc="http://schemas.openxmlformats.org/markup-compatibility/2006">
-          <mc:Choice xmlns:a14="http://schemas.microsoft.com/office/drawing/2010/main" Requires="a14">
+        <mc:AlternateContent xmlns:mc="http://schemas.openxmlformats.org/markup-compatibility/2006" xmlns:a14="http://schemas.microsoft.com/office/drawing/2010/main">
+          <mc:Choice Requires="a14">
             <p:sp>
               <p:nvSpPr>
                 <p:cNvPr id="20" name="TextBox 19">
@@ -19453,7 +19494,7 @@
               </p:txBody>
             </p:sp>
           </mc:Choice>
-          <mc:Fallback>
+          <mc:Fallback xmlns="">
             <p:sp>
               <p:nvSpPr>
                 <p:cNvPr id="20" name="TextBox 19">
@@ -19498,8 +19539,8 @@
             </p:sp>
           </mc:Fallback>
         </mc:AlternateContent>
-        <mc:AlternateContent xmlns:mc="http://schemas.openxmlformats.org/markup-compatibility/2006">
-          <mc:Choice xmlns:a14="http://schemas.microsoft.com/office/drawing/2010/main" Requires="a14">
+        <mc:AlternateContent xmlns:mc="http://schemas.openxmlformats.org/markup-compatibility/2006" xmlns:a14="http://schemas.microsoft.com/office/drawing/2010/main">
+          <mc:Choice Requires="a14">
             <p:sp>
               <p:nvSpPr>
                 <p:cNvPr id="23" name="TextBox 22">
@@ -19574,7 +19615,7 @@
               </p:txBody>
             </p:sp>
           </mc:Choice>
-          <mc:Fallback>
+          <mc:Fallback xmlns="">
             <p:sp>
               <p:nvSpPr>
                 <p:cNvPr id="23" name="TextBox 22">
@@ -19619,8 +19660,8 @@
             </p:sp>
           </mc:Fallback>
         </mc:AlternateContent>
-        <mc:AlternateContent xmlns:mc="http://schemas.openxmlformats.org/markup-compatibility/2006">
-          <mc:Choice xmlns:a14="http://schemas.microsoft.com/office/drawing/2010/main" Requires="a14">
+        <mc:AlternateContent xmlns:mc="http://schemas.openxmlformats.org/markup-compatibility/2006" xmlns:a14="http://schemas.microsoft.com/office/drawing/2010/main">
+          <mc:Choice Requires="a14">
             <p:sp>
               <p:nvSpPr>
                 <p:cNvPr id="25" name="TextBox 24">
@@ -19695,7 +19736,7 @@
               </p:txBody>
             </p:sp>
           </mc:Choice>
-          <mc:Fallback>
+          <mc:Fallback xmlns="">
             <p:sp>
               <p:nvSpPr>
                 <p:cNvPr id="25" name="TextBox 24">
@@ -19741,8 +19782,8 @@
           </mc:Fallback>
         </mc:AlternateContent>
       </p:grpSp>
-      <mc:AlternateContent xmlns:mc="http://schemas.openxmlformats.org/markup-compatibility/2006">
-        <mc:Choice xmlns:a14="http://schemas.microsoft.com/office/drawing/2010/main" Requires="a14">
+      <mc:AlternateContent xmlns:mc="http://schemas.openxmlformats.org/markup-compatibility/2006" xmlns:a14="http://schemas.microsoft.com/office/drawing/2010/main">
+        <mc:Choice Requires="a14">
           <p:sp>
             <p:nvSpPr>
               <p:cNvPr id="26" name="TextBox 25">
@@ -19849,7 +19890,7 @@
             </p:txBody>
           </p:sp>
         </mc:Choice>
-        <mc:Fallback>
+        <mc:Fallback xmlns="">
           <p:sp>
             <p:nvSpPr>
               <p:cNvPr id="26" name="TextBox 25">
@@ -19894,8 +19935,8 @@
           </p:sp>
         </mc:Fallback>
       </mc:AlternateContent>
-      <mc:AlternateContent xmlns:mc="http://schemas.openxmlformats.org/markup-compatibility/2006">
-        <mc:Choice xmlns:a14="http://schemas.microsoft.com/office/drawing/2010/main" Requires="a14">
+      <mc:AlternateContent xmlns:mc="http://schemas.openxmlformats.org/markup-compatibility/2006" xmlns:a14="http://schemas.microsoft.com/office/drawing/2010/main">
+        <mc:Choice Requires="a14">
           <p:sp>
             <p:nvSpPr>
               <p:cNvPr id="28" name="TextBox 27">
@@ -19967,7 +20008,7 @@
             </p:txBody>
           </p:sp>
         </mc:Choice>
-        <mc:Fallback>
+        <mc:Fallback xmlns="">
           <p:sp>
             <p:nvSpPr>
               <p:cNvPr id="28" name="TextBox 27">
@@ -20012,8 +20053,8 @@
           </p:sp>
         </mc:Fallback>
       </mc:AlternateContent>
-      <mc:AlternateContent xmlns:mc="http://schemas.openxmlformats.org/markup-compatibility/2006">
-        <mc:Choice xmlns:a14="http://schemas.microsoft.com/office/drawing/2010/main" Requires="a14">
+      <mc:AlternateContent xmlns:mc="http://schemas.openxmlformats.org/markup-compatibility/2006" xmlns:a14="http://schemas.microsoft.com/office/drawing/2010/main">
+        <mc:Choice Requires="a14">
           <p:sp>
             <p:nvSpPr>
               <p:cNvPr id="29" name="TextBox 28">
@@ -20085,7 +20126,7 @@
             </p:txBody>
           </p:sp>
         </mc:Choice>
-        <mc:Fallback>
+        <mc:Fallback xmlns="">
           <p:sp>
             <p:nvSpPr>
               <p:cNvPr id="29" name="TextBox 28">
@@ -20130,8 +20171,8 @@
           </p:sp>
         </mc:Fallback>
       </mc:AlternateContent>
-      <mc:AlternateContent xmlns:mc="http://schemas.openxmlformats.org/markup-compatibility/2006">
-        <mc:Choice xmlns:a14="http://schemas.microsoft.com/office/drawing/2010/main" Requires="a14">
+      <mc:AlternateContent xmlns:mc="http://schemas.openxmlformats.org/markup-compatibility/2006" xmlns:a14="http://schemas.microsoft.com/office/drawing/2010/main">
+        <mc:Choice Requires="a14">
           <p:sp>
             <p:nvSpPr>
               <p:cNvPr id="30" name="TextBox 29">
@@ -20203,7 +20244,7 @@
             </p:txBody>
           </p:sp>
         </mc:Choice>
-        <mc:Fallback>
+        <mc:Fallback xmlns="">
           <p:sp>
             <p:nvSpPr>
               <p:cNvPr id="30" name="TextBox 29">
@@ -20248,8 +20289,8 @@
           </p:sp>
         </mc:Fallback>
       </mc:AlternateContent>
-      <mc:AlternateContent xmlns:mc="http://schemas.openxmlformats.org/markup-compatibility/2006">
-        <mc:Choice xmlns:a14="http://schemas.microsoft.com/office/drawing/2010/main" Requires="a14">
+      <mc:AlternateContent xmlns:mc="http://schemas.openxmlformats.org/markup-compatibility/2006" xmlns:a14="http://schemas.microsoft.com/office/drawing/2010/main">
+        <mc:Choice Requires="a14">
           <p:sp>
             <p:nvSpPr>
               <p:cNvPr id="31" name="TextBox 30">
@@ -20278,6 +20319,7 @@
               </a:bodyPr>
               <a:lstStyle/>
               <a:p>
+                <a:pPr/>
                 <a14:m>
                   <m:oMathPara xmlns:m="http://schemas.openxmlformats.org/officeDocument/2006/math">
                     <m:oMathParaPr>
@@ -20420,7 +20462,7 @@
             </p:txBody>
           </p:sp>
         </mc:Choice>
-        <mc:Fallback>
+        <mc:Fallback xmlns="">
           <p:sp>
             <p:nvSpPr>
               <p:cNvPr id="31" name="TextBox 30">
@@ -21550,8 +21592,8 @@
             </a:fontRef>
           </p:style>
         </p:cxnSp>
-        <mc:AlternateContent xmlns:mc="http://schemas.openxmlformats.org/markup-compatibility/2006">
-          <mc:Choice xmlns:a14="http://schemas.microsoft.com/office/drawing/2010/main" Requires="a14">
+        <mc:AlternateContent xmlns:mc="http://schemas.openxmlformats.org/markup-compatibility/2006" xmlns:a14="http://schemas.microsoft.com/office/drawing/2010/main">
+          <mc:Choice Requires="a14">
             <p:sp>
               <p:nvSpPr>
                 <p:cNvPr id="40" name="TextBox 39">
@@ -21626,7 +21668,7 @@
               </p:txBody>
             </p:sp>
           </mc:Choice>
-          <mc:Fallback>
+          <mc:Fallback xmlns="">
             <p:sp>
               <p:nvSpPr>
                 <p:cNvPr id="40" name="TextBox 39">
@@ -21671,8 +21713,8 @@
             </p:sp>
           </mc:Fallback>
         </mc:AlternateContent>
-        <mc:AlternateContent xmlns:mc="http://schemas.openxmlformats.org/markup-compatibility/2006">
-          <mc:Choice xmlns:a14="http://schemas.microsoft.com/office/drawing/2010/main" Requires="a14">
+        <mc:AlternateContent xmlns:mc="http://schemas.openxmlformats.org/markup-compatibility/2006" xmlns:a14="http://schemas.microsoft.com/office/drawing/2010/main">
+          <mc:Choice Requires="a14">
             <p:sp>
               <p:nvSpPr>
                 <p:cNvPr id="42" name="TextBox 41">
@@ -21747,7 +21789,7 @@
               </p:txBody>
             </p:sp>
           </mc:Choice>
-          <mc:Fallback>
+          <mc:Fallback xmlns="">
             <p:sp>
               <p:nvSpPr>
                 <p:cNvPr id="42" name="TextBox 41">
@@ -21792,8 +21834,8 @@
             </p:sp>
           </mc:Fallback>
         </mc:AlternateContent>
-        <mc:AlternateContent xmlns:mc="http://schemas.openxmlformats.org/markup-compatibility/2006">
-          <mc:Choice xmlns:a14="http://schemas.microsoft.com/office/drawing/2010/main" Requires="a14">
+        <mc:AlternateContent xmlns:mc="http://schemas.openxmlformats.org/markup-compatibility/2006" xmlns:a14="http://schemas.microsoft.com/office/drawing/2010/main">
+          <mc:Choice Requires="a14">
             <p:sp>
               <p:nvSpPr>
                 <p:cNvPr id="43" name="TextBox 42">
@@ -21868,7 +21910,7 @@
               </p:txBody>
             </p:sp>
           </mc:Choice>
-          <mc:Fallback>
+          <mc:Fallback xmlns="">
             <p:sp>
               <p:nvSpPr>
                 <p:cNvPr id="43" name="TextBox 42">
@@ -22921,8 +22963,8 @@
           </a:fontRef>
         </p:style>
       </p:cxnSp>
-      <mc:AlternateContent xmlns:mc="http://schemas.openxmlformats.org/markup-compatibility/2006">
-        <mc:Choice xmlns:a14="http://schemas.microsoft.com/office/drawing/2010/main" Requires="a14">
+      <mc:AlternateContent xmlns:mc="http://schemas.openxmlformats.org/markup-compatibility/2006" xmlns:a14="http://schemas.microsoft.com/office/drawing/2010/main">
+        <mc:Choice Requires="a14">
           <p:sp>
             <p:nvSpPr>
               <p:cNvPr id="40" name="TextBox 39">
@@ -22997,7 +23039,7 @@
             </p:txBody>
           </p:sp>
         </mc:Choice>
-        <mc:Fallback>
+        <mc:Fallback xmlns="">
           <p:sp>
             <p:nvSpPr>
               <p:cNvPr id="40" name="TextBox 39">
@@ -23042,8 +23084,8 @@
           </p:sp>
         </mc:Fallback>
       </mc:AlternateContent>
-      <mc:AlternateContent xmlns:mc="http://schemas.openxmlformats.org/markup-compatibility/2006">
-        <mc:Choice xmlns:a14="http://schemas.microsoft.com/office/drawing/2010/main" Requires="a14">
+      <mc:AlternateContent xmlns:mc="http://schemas.openxmlformats.org/markup-compatibility/2006" xmlns:a14="http://schemas.microsoft.com/office/drawing/2010/main">
+        <mc:Choice Requires="a14">
           <p:sp>
             <p:nvSpPr>
               <p:cNvPr id="42" name="TextBox 41">
@@ -23138,7 +23180,7 @@
             </p:txBody>
           </p:sp>
         </mc:Choice>
-        <mc:Fallback>
+        <mc:Fallback xmlns="">
           <p:sp>
             <p:nvSpPr>
               <p:cNvPr id="42" name="TextBox 41">
@@ -23183,8 +23225,8 @@
           </p:sp>
         </mc:Fallback>
       </mc:AlternateContent>
-      <mc:AlternateContent xmlns:mc="http://schemas.openxmlformats.org/markup-compatibility/2006">
-        <mc:Choice xmlns:a14="http://schemas.microsoft.com/office/drawing/2010/main" Requires="a14">
+      <mc:AlternateContent xmlns:mc="http://schemas.openxmlformats.org/markup-compatibility/2006" xmlns:a14="http://schemas.microsoft.com/office/drawing/2010/main">
+        <mc:Choice Requires="a14">
           <p:sp>
             <p:nvSpPr>
               <p:cNvPr id="43" name="TextBox 42">
@@ -23279,7 +23321,7 @@
             </p:txBody>
           </p:sp>
         </mc:Choice>
-        <mc:Fallback>
+        <mc:Fallback xmlns="">
           <p:sp>
             <p:nvSpPr>
               <p:cNvPr id="43" name="TextBox 42">
@@ -23324,8 +23366,8 @@
           </p:sp>
         </mc:Fallback>
       </mc:AlternateContent>
-      <mc:AlternateContent xmlns:mc="http://schemas.openxmlformats.org/markup-compatibility/2006">
-        <mc:Choice xmlns:a14="http://schemas.microsoft.com/office/drawing/2010/main" Requires="a14">
+      <mc:AlternateContent xmlns:mc="http://schemas.openxmlformats.org/markup-compatibility/2006" xmlns:a14="http://schemas.microsoft.com/office/drawing/2010/main">
+        <mc:Choice Requires="a14">
           <p:sp>
             <p:nvSpPr>
               <p:cNvPr id="24" name="TextBox 23">
@@ -23551,7 +23593,7 @@
             </p:txBody>
           </p:sp>
         </mc:Choice>
-        <mc:Fallback>
+        <mc:Fallback xmlns="">
           <p:sp>
             <p:nvSpPr>
               <p:cNvPr id="24" name="TextBox 23">
@@ -23596,8 +23638,8 @@
           </p:sp>
         </mc:Fallback>
       </mc:AlternateContent>
-      <mc:AlternateContent xmlns:mc="http://schemas.openxmlformats.org/markup-compatibility/2006">
-        <mc:Choice xmlns:a14="http://schemas.microsoft.com/office/drawing/2010/main" Requires="a14">
+      <mc:AlternateContent xmlns:mc="http://schemas.openxmlformats.org/markup-compatibility/2006" xmlns:a14="http://schemas.microsoft.com/office/drawing/2010/main">
+        <mc:Choice Requires="a14">
           <p:sp>
             <p:nvSpPr>
               <p:cNvPr id="27" name="TextBox 26">
@@ -23647,7 +23689,7 @@
             </p:txBody>
           </p:sp>
         </mc:Choice>
-        <mc:Fallback>
+        <mc:Fallback xmlns="">
           <p:sp>
             <p:nvSpPr>
               <p:cNvPr id="27" name="TextBox 26">
@@ -23692,8 +23734,8 @@
           </p:sp>
         </mc:Fallback>
       </mc:AlternateContent>
-      <mc:AlternateContent xmlns:mc="http://schemas.openxmlformats.org/markup-compatibility/2006">
-        <mc:Choice xmlns:a14="http://schemas.microsoft.com/office/drawing/2010/main" Requires="a14">
+      <mc:AlternateContent xmlns:mc="http://schemas.openxmlformats.org/markup-compatibility/2006" xmlns:a14="http://schemas.microsoft.com/office/drawing/2010/main">
+        <mc:Choice Requires="a14">
           <p:sp>
             <p:nvSpPr>
               <p:cNvPr id="38" name="TextBox 37">
@@ -23743,7 +23785,7 @@
             </p:txBody>
           </p:sp>
         </mc:Choice>
-        <mc:Fallback>
+        <mc:Fallback xmlns="">
           <p:sp>
             <p:nvSpPr>
               <p:cNvPr id="38" name="TextBox 37">
@@ -23788,8 +23830,8 @@
           </p:sp>
         </mc:Fallback>
       </mc:AlternateContent>
-      <mc:AlternateContent xmlns:mc="http://schemas.openxmlformats.org/markup-compatibility/2006">
-        <mc:Choice xmlns:a14="http://schemas.microsoft.com/office/drawing/2010/main" Requires="a14">
+      <mc:AlternateContent xmlns:mc="http://schemas.openxmlformats.org/markup-compatibility/2006" xmlns:a14="http://schemas.microsoft.com/office/drawing/2010/main">
+        <mc:Choice Requires="a14">
           <p:sp>
             <p:nvSpPr>
               <p:cNvPr id="41" name="TextBox 40">
@@ -23861,7 +23903,7 @@
             </p:txBody>
           </p:sp>
         </mc:Choice>
-        <mc:Fallback>
+        <mc:Fallback xmlns="">
           <p:sp>
             <p:nvSpPr>
               <p:cNvPr id="41" name="TextBox 40">
@@ -23906,8 +23948,8 @@
           </p:sp>
         </mc:Fallback>
       </mc:AlternateContent>
-      <mc:AlternateContent xmlns:mc="http://schemas.openxmlformats.org/markup-compatibility/2006">
-        <mc:Choice xmlns:a14="http://schemas.microsoft.com/office/drawing/2010/main" Requires="a14">
+      <mc:AlternateContent xmlns:mc="http://schemas.openxmlformats.org/markup-compatibility/2006" xmlns:a14="http://schemas.microsoft.com/office/drawing/2010/main">
+        <mc:Choice Requires="a14">
           <p:sp>
             <p:nvSpPr>
               <p:cNvPr id="44" name="TextBox 43">
@@ -24000,7 +24042,7 @@
             </p:txBody>
           </p:sp>
         </mc:Choice>
-        <mc:Fallback>
+        <mc:Fallback xmlns="">
           <p:sp>
             <p:nvSpPr>
               <p:cNvPr id="44" name="TextBox 43">
@@ -24045,8 +24087,8 @@
           </p:sp>
         </mc:Fallback>
       </mc:AlternateContent>
-      <mc:AlternateContent xmlns:mc="http://schemas.openxmlformats.org/markup-compatibility/2006">
-        <mc:Choice xmlns:a14="http://schemas.microsoft.com/office/drawing/2010/main" Requires="a14">
+      <mc:AlternateContent xmlns:mc="http://schemas.openxmlformats.org/markup-compatibility/2006" xmlns:a14="http://schemas.microsoft.com/office/drawing/2010/main">
+        <mc:Choice Requires="a14">
           <p:sp>
             <p:nvSpPr>
               <p:cNvPr id="45" name="TextBox 44">
@@ -24139,7 +24181,7 @@
             </p:txBody>
           </p:sp>
         </mc:Choice>
-        <mc:Fallback>
+        <mc:Fallback xmlns="">
           <p:sp>
             <p:nvSpPr>
               <p:cNvPr id="45" name="TextBox 44">
@@ -25200,8 +25242,8 @@
           </a:fontRef>
         </p:style>
       </p:cxnSp>
-      <mc:AlternateContent xmlns:mc="http://schemas.openxmlformats.org/markup-compatibility/2006">
-        <mc:Choice xmlns:a14="http://schemas.microsoft.com/office/drawing/2010/main" Requires="a14">
+      <mc:AlternateContent xmlns:mc="http://schemas.openxmlformats.org/markup-compatibility/2006" xmlns:a14="http://schemas.microsoft.com/office/drawing/2010/main">
+        <mc:Choice Requires="a14">
           <p:sp>
             <p:nvSpPr>
               <p:cNvPr id="40" name="TextBox 39">
@@ -25296,7 +25338,7 @@
             </p:txBody>
           </p:sp>
         </mc:Choice>
-        <mc:Fallback>
+        <mc:Fallback xmlns="">
           <p:sp>
             <p:nvSpPr>
               <p:cNvPr id="40" name="TextBox 39">
@@ -25341,8 +25383,8 @@
           </p:sp>
         </mc:Fallback>
       </mc:AlternateContent>
-      <mc:AlternateContent xmlns:mc="http://schemas.openxmlformats.org/markup-compatibility/2006">
-        <mc:Choice xmlns:a14="http://schemas.microsoft.com/office/drawing/2010/main" Requires="a14">
+      <mc:AlternateContent xmlns:mc="http://schemas.openxmlformats.org/markup-compatibility/2006" xmlns:a14="http://schemas.microsoft.com/office/drawing/2010/main">
+        <mc:Choice Requires="a14">
           <p:sp>
             <p:nvSpPr>
               <p:cNvPr id="42" name="TextBox 41">
@@ -25429,7 +25471,7 @@
             </p:txBody>
           </p:sp>
         </mc:Choice>
-        <mc:Fallback>
+        <mc:Fallback xmlns="">
           <p:sp>
             <p:nvSpPr>
               <p:cNvPr id="42" name="TextBox 41">
@@ -25474,8 +25516,8 @@
           </p:sp>
         </mc:Fallback>
       </mc:AlternateContent>
-      <mc:AlternateContent xmlns:mc="http://schemas.openxmlformats.org/markup-compatibility/2006">
-        <mc:Choice xmlns:a14="http://schemas.microsoft.com/office/drawing/2010/main" Requires="a14">
+      <mc:AlternateContent xmlns:mc="http://schemas.openxmlformats.org/markup-compatibility/2006" xmlns:a14="http://schemas.microsoft.com/office/drawing/2010/main">
+        <mc:Choice Requires="a14">
           <p:sp>
             <p:nvSpPr>
               <p:cNvPr id="43" name="TextBox 42">
@@ -25570,7 +25612,7 @@
             </p:txBody>
           </p:sp>
         </mc:Choice>
-        <mc:Fallback>
+        <mc:Fallback xmlns="">
           <p:sp>
             <p:nvSpPr>
               <p:cNvPr id="43" name="TextBox 42">
@@ -25615,8 +25657,8 @@
           </p:sp>
         </mc:Fallback>
       </mc:AlternateContent>
-      <mc:AlternateContent xmlns:mc="http://schemas.openxmlformats.org/markup-compatibility/2006">
-        <mc:Choice xmlns:a14="http://schemas.microsoft.com/office/drawing/2010/main" Requires="a14">
+      <mc:AlternateContent xmlns:mc="http://schemas.openxmlformats.org/markup-compatibility/2006" xmlns:a14="http://schemas.microsoft.com/office/drawing/2010/main">
+        <mc:Choice Requires="a14">
           <p:sp>
             <p:nvSpPr>
               <p:cNvPr id="24" name="TextBox 23">
@@ -25645,6 +25687,7 @@
               </a:bodyPr>
               <a:lstStyle/>
               <a:p>
+                <a:pPr/>
                 <a14:m>
                   <m:oMathPara xmlns:m="http://schemas.openxmlformats.org/officeDocument/2006/math">
                     <m:oMathParaPr>
@@ -25841,7 +25884,7 @@
             </p:txBody>
           </p:sp>
         </mc:Choice>
-        <mc:Fallback>
+        <mc:Fallback xmlns="">
           <p:sp>
             <p:nvSpPr>
               <p:cNvPr id="24" name="TextBox 23">
@@ -25886,8 +25929,8 @@
           </p:sp>
         </mc:Fallback>
       </mc:AlternateContent>
-      <mc:AlternateContent xmlns:mc="http://schemas.openxmlformats.org/markup-compatibility/2006">
-        <mc:Choice xmlns:a14="http://schemas.microsoft.com/office/drawing/2010/main" Requires="a14">
+      <mc:AlternateContent xmlns:mc="http://schemas.openxmlformats.org/markup-compatibility/2006" xmlns:a14="http://schemas.microsoft.com/office/drawing/2010/main">
+        <mc:Choice Requires="a14">
           <p:sp>
             <p:nvSpPr>
               <p:cNvPr id="27" name="TextBox 26">
@@ -25937,7 +25980,7 @@
             </p:txBody>
           </p:sp>
         </mc:Choice>
-        <mc:Fallback>
+        <mc:Fallback xmlns="">
           <p:sp>
             <p:nvSpPr>
               <p:cNvPr id="27" name="TextBox 26">
@@ -25982,8 +26025,8 @@
           </p:sp>
         </mc:Fallback>
       </mc:AlternateContent>
-      <mc:AlternateContent xmlns:mc="http://schemas.openxmlformats.org/markup-compatibility/2006">
-        <mc:Choice xmlns:a14="http://schemas.microsoft.com/office/drawing/2010/main" Requires="a14">
+      <mc:AlternateContent xmlns:mc="http://schemas.openxmlformats.org/markup-compatibility/2006" xmlns:a14="http://schemas.microsoft.com/office/drawing/2010/main">
+        <mc:Choice Requires="a14">
           <p:sp>
             <p:nvSpPr>
               <p:cNvPr id="38" name="TextBox 37">
@@ -26033,7 +26076,7 @@
             </p:txBody>
           </p:sp>
         </mc:Choice>
-        <mc:Fallback>
+        <mc:Fallback xmlns="">
           <p:sp>
             <p:nvSpPr>
               <p:cNvPr id="38" name="TextBox 37">
@@ -26078,8 +26121,8 @@
           </p:sp>
         </mc:Fallback>
       </mc:AlternateContent>
-      <mc:AlternateContent xmlns:mc="http://schemas.openxmlformats.org/markup-compatibility/2006">
-        <mc:Choice xmlns:a14="http://schemas.microsoft.com/office/drawing/2010/main" Requires="a14">
+      <mc:AlternateContent xmlns:mc="http://schemas.openxmlformats.org/markup-compatibility/2006" xmlns:a14="http://schemas.microsoft.com/office/drawing/2010/main">
+        <mc:Choice Requires="a14">
           <p:sp>
             <p:nvSpPr>
               <p:cNvPr id="25" name="TextBox 24">
@@ -26172,7 +26215,7 @@
             </p:txBody>
           </p:sp>
         </mc:Choice>
-        <mc:Fallback>
+        <mc:Fallback xmlns="">
           <p:sp>
             <p:nvSpPr>
               <p:cNvPr id="25" name="TextBox 24">
@@ -26217,8 +26260,8 @@
           </p:sp>
         </mc:Fallback>
       </mc:AlternateContent>
-      <mc:AlternateContent xmlns:mc="http://schemas.openxmlformats.org/markup-compatibility/2006">
-        <mc:Choice xmlns:a14="http://schemas.microsoft.com/office/drawing/2010/main" Requires="a14">
+      <mc:AlternateContent xmlns:mc="http://schemas.openxmlformats.org/markup-compatibility/2006" xmlns:a14="http://schemas.microsoft.com/office/drawing/2010/main">
+        <mc:Choice Requires="a14">
           <p:sp>
             <p:nvSpPr>
               <p:cNvPr id="41" name="TextBox 40">
@@ -26290,7 +26333,7 @@
             </p:txBody>
           </p:sp>
         </mc:Choice>
-        <mc:Fallback>
+        <mc:Fallback xmlns="">
           <p:sp>
             <p:nvSpPr>
               <p:cNvPr id="41" name="TextBox 40">
@@ -26335,8 +26378,8 @@
           </p:sp>
         </mc:Fallback>
       </mc:AlternateContent>
-      <mc:AlternateContent xmlns:mc="http://schemas.openxmlformats.org/markup-compatibility/2006">
-        <mc:Choice xmlns:a14="http://schemas.microsoft.com/office/drawing/2010/main" Requires="a14">
+      <mc:AlternateContent xmlns:mc="http://schemas.openxmlformats.org/markup-compatibility/2006" xmlns:a14="http://schemas.microsoft.com/office/drawing/2010/main">
+        <mc:Choice Requires="a14">
           <p:sp>
             <p:nvSpPr>
               <p:cNvPr id="44" name="TextBox 43">
@@ -26429,7 +26472,7 @@
             </p:txBody>
           </p:sp>
         </mc:Choice>
-        <mc:Fallback>
+        <mc:Fallback xmlns="">
           <p:sp>
             <p:nvSpPr>
               <p:cNvPr id="44" name="TextBox 43">
@@ -27152,8 +27195,8 @@
           </a:fontRef>
         </p:style>
       </p:cxnSp>
-      <mc:AlternateContent xmlns:mc="http://schemas.openxmlformats.org/markup-compatibility/2006">
-        <mc:Choice xmlns:a14="http://schemas.microsoft.com/office/drawing/2010/main" Requires="a14">
+      <mc:AlternateContent xmlns:mc="http://schemas.openxmlformats.org/markup-compatibility/2006" xmlns:a14="http://schemas.microsoft.com/office/drawing/2010/main">
+        <mc:Choice Requires="a14">
           <p:sp>
             <p:nvSpPr>
               <p:cNvPr id="40" name="TextBox 39">
@@ -27248,7 +27291,7 @@
             </p:txBody>
           </p:sp>
         </mc:Choice>
-        <mc:Fallback>
+        <mc:Fallback xmlns="">
           <p:sp>
             <p:nvSpPr>
               <p:cNvPr id="40" name="TextBox 39">
@@ -27293,8 +27336,8 @@
           </p:sp>
         </mc:Fallback>
       </mc:AlternateContent>
-      <mc:AlternateContent xmlns:mc="http://schemas.openxmlformats.org/markup-compatibility/2006">
-        <mc:Choice xmlns:a14="http://schemas.microsoft.com/office/drawing/2010/main" Requires="a14">
+      <mc:AlternateContent xmlns:mc="http://schemas.openxmlformats.org/markup-compatibility/2006" xmlns:a14="http://schemas.microsoft.com/office/drawing/2010/main">
+        <mc:Choice Requires="a14">
           <p:sp>
             <p:nvSpPr>
               <p:cNvPr id="43" name="TextBox 42">
@@ -27381,7 +27424,7 @@
             </p:txBody>
           </p:sp>
         </mc:Choice>
-        <mc:Fallback>
+        <mc:Fallback xmlns="">
           <p:sp>
             <p:nvSpPr>
               <p:cNvPr id="43" name="TextBox 42">
@@ -27426,8 +27469,8 @@
           </p:sp>
         </mc:Fallback>
       </mc:AlternateContent>
-      <mc:AlternateContent xmlns:mc="http://schemas.openxmlformats.org/markup-compatibility/2006">
-        <mc:Choice xmlns:a14="http://schemas.microsoft.com/office/drawing/2010/main" Requires="a14">
+      <mc:AlternateContent xmlns:mc="http://schemas.openxmlformats.org/markup-compatibility/2006" xmlns:a14="http://schemas.microsoft.com/office/drawing/2010/main">
+        <mc:Choice Requires="a14">
           <p:sp>
             <p:nvSpPr>
               <p:cNvPr id="24" name="TextBox 23">
@@ -27653,7 +27696,7 @@
             </p:txBody>
           </p:sp>
         </mc:Choice>
-        <mc:Fallback>
+        <mc:Fallback xmlns="">
           <p:sp>
             <p:nvSpPr>
               <p:cNvPr id="24" name="TextBox 23">
@@ -27698,8 +27741,8 @@
           </p:sp>
         </mc:Fallback>
       </mc:AlternateContent>
-      <mc:AlternateContent xmlns:mc="http://schemas.openxmlformats.org/markup-compatibility/2006">
-        <mc:Choice xmlns:a14="http://schemas.microsoft.com/office/drawing/2010/main" Requires="a14">
+      <mc:AlternateContent xmlns:mc="http://schemas.openxmlformats.org/markup-compatibility/2006" xmlns:a14="http://schemas.microsoft.com/office/drawing/2010/main">
+        <mc:Choice Requires="a14">
           <p:sp>
             <p:nvSpPr>
               <p:cNvPr id="27" name="TextBox 26">
@@ -27749,7 +27792,7 @@
             </p:txBody>
           </p:sp>
         </mc:Choice>
-        <mc:Fallback>
+        <mc:Fallback xmlns="">
           <p:sp>
             <p:nvSpPr>
               <p:cNvPr id="27" name="TextBox 26">
@@ -27794,8 +27837,8 @@
           </p:sp>
         </mc:Fallback>
       </mc:AlternateContent>
-      <mc:AlternateContent xmlns:mc="http://schemas.openxmlformats.org/markup-compatibility/2006">
-        <mc:Choice xmlns:a14="http://schemas.microsoft.com/office/drawing/2010/main" Requires="a14">
+      <mc:AlternateContent xmlns:mc="http://schemas.openxmlformats.org/markup-compatibility/2006" xmlns:a14="http://schemas.microsoft.com/office/drawing/2010/main">
+        <mc:Choice Requires="a14">
           <p:sp>
             <p:nvSpPr>
               <p:cNvPr id="38" name="TextBox 37">
@@ -27845,7 +27888,7 @@
             </p:txBody>
           </p:sp>
         </mc:Choice>
-        <mc:Fallback>
+        <mc:Fallback xmlns="">
           <p:sp>
             <p:nvSpPr>
               <p:cNvPr id="38" name="TextBox 37">
@@ -28061,8 +28104,8 @@
           </a:p>
         </p:txBody>
       </p:sp>
-      <mc:AlternateContent xmlns:mc="http://schemas.openxmlformats.org/markup-compatibility/2006">
-        <mc:Choice xmlns:a14="http://schemas.microsoft.com/office/drawing/2010/main" Requires="a14">
+      <mc:AlternateContent xmlns:mc="http://schemas.openxmlformats.org/markup-compatibility/2006" xmlns:a14="http://schemas.microsoft.com/office/drawing/2010/main">
+        <mc:Choice Requires="a14">
           <p:sp>
             <p:nvSpPr>
               <p:cNvPr id="44" name="TextBox 43">
@@ -28157,7 +28200,7 @@
             </p:txBody>
           </p:sp>
         </mc:Choice>
-        <mc:Fallback>
+        <mc:Fallback xmlns="">
           <p:sp>
             <p:nvSpPr>
               <p:cNvPr id="44" name="TextBox 43">
@@ -28361,8 +28404,8 @@
           </a:p>
         </p:txBody>
       </p:sp>
-      <mc:AlternateContent xmlns:mc="http://schemas.openxmlformats.org/markup-compatibility/2006">
-        <mc:Choice xmlns:a14="http://schemas.microsoft.com/office/drawing/2010/main" Requires="a14">
+      <mc:AlternateContent xmlns:mc="http://schemas.openxmlformats.org/markup-compatibility/2006" xmlns:a14="http://schemas.microsoft.com/office/drawing/2010/main">
+        <mc:Choice Requires="a14">
           <p:sp>
             <p:nvSpPr>
               <p:cNvPr id="47" name="TextBox 46">
@@ -28455,7 +28498,7 @@
             </p:txBody>
           </p:sp>
         </mc:Choice>
-        <mc:Fallback>
+        <mc:Fallback xmlns="">
           <p:sp>
             <p:nvSpPr>
               <p:cNvPr id="47" name="TextBox 46">
@@ -28500,8 +28543,8 @@
           </p:sp>
         </mc:Fallback>
       </mc:AlternateContent>
-      <mc:AlternateContent xmlns:mc="http://schemas.openxmlformats.org/markup-compatibility/2006">
-        <mc:Choice xmlns:a14="http://schemas.microsoft.com/office/drawing/2010/main" Requires="a14">
+      <mc:AlternateContent xmlns:mc="http://schemas.openxmlformats.org/markup-compatibility/2006" xmlns:a14="http://schemas.microsoft.com/office/drawing/2010/main">
+        <mc:Choice Requires="a14">
           <p:sp>
             <p:nvSpPr>
               <p:cNvPr id="48" name="TextBox 47">
@@ -28594,7 +28637,7 @@
             </p:txBody>
           </p:sp>
         </mc:Choice>
-        <mc:Fallback>
+        <mc:Fallback xmlns="">
           <p:sp>
             <p:nvSpPr>
               <p:cNvPr id="48" name="TextBox 47">
@@ -28639,8 +28682,8 @@
           </p:sp>
         </mc:Fallback>
       </mc:AlternateContent>
-      <mc:AlternateContent xmlns:mc="http://schemas.openxmlformats.org/markup-compatibility/2006">
-        <mc:Choice xmlns:a14="http://schemas.microsoft.com/office/drawing/2010/main" Requires="a14">
+      <mc:AlternateContent xmlns:mc="http://schemas.openxmlformats.org/markup-compatibility/2006" xmlns:a14="http://schemas.microsoft.com/office/drawing/2010/main">
+        <mc:Choice Requires="a14">
           <p:sp>
             <p:nvSpPr>
               <p:cNvPr id="49" name="TextBox 48">
@@ -28712,7 +28755,7 @@
             </p:txBody>
           </p:sp>
         </mc:Choice>
-        <mc:Fallback>
+        <mc:Fallback xmlns="">
           <p:sp>
             <p:nvSpPr>
               <p:cNvPr id="49" name="TextBox 48">
@@ -29842,8 +29885,8 @@
             </a:fontRef>
           </p:style>
         </p:cxnSp>
-        <mc:AlternateContent xmlns:mc="http://schemas.openxmlformats.org/markup-compatibility/2006">
-          <mc:Choice xmlns:a14="http://schemas.microsoft.com/office/drawing/2010/main" Requires="a14">
+        <mc:AlternateContent xmlns:mc="http://schemas.openxmlformats.org/markup-compatibility/2006" xmlns:a14="http://schemas.microsoft.com/office/drawing/2010/main">
+          <mc:Choice Requires="a14">
             <p:sp>
               <p:nvSpPr>
                 <p:cNvPr id="40" name="TextBox 39">
@@ -29918,7 +29961,7 @@
               </p:txBody>
             </p:sp>
           </mc:Choice>
-          <mc:Fallback>
+          <mc:Fallback xmlns="">
             <p:sp>
               <p:nvSpPr>
                 <p:cNvPr id="40" name="TextBox 39">
@@ -29963,8 +30006,8 @@
             </p:sp>
           </mc:Fallback>
         </mc:AlternateContent>
-        <mc:AlternateContent xmlns:mc="http://schemas.openxmlformats.org/markup-compatibility/2006">
-          <mc:Choice xmlns:a14="http://schemas.microsoft.com/office/drawing/2010/main" Requires="a14">
+        <mc:AlternateContent xmlns:mc="http://schemas.openxmlformats.org/markup-compatibility/2006" xmlns:a14="http://schemas.microsoft.com/office/drawing/2010/main">
+          <mc:Choice Requires="a14">
             <p:sp>
               <p:nvSpPr>
                 <p:cNvPr id="42" name="TextBox 41">
@@ -30039,7 +30082,7 @@
               </p:txBody>
             </p:sp>
           </mc:Choice>
-          <mc:Fallback>
+          <mc:Fallback xmlns="">
             <p:sp>
               <p:nvSpPr>
                 <p:cNvPr id="42" name="TextBox 41">
@@ -30084,8 +30127,8 @@
             </p:sp>
           </mc:Fallback>
         </mc:AlternateContent>
-        <mc:AlternateContent xmlns:mc="http://schemas.openxmlformats.org/markup-compatibility/2006">
-          <mc:Choice xmlns:a14="http://schemas.microsoft.com/office/drawing/2010/main" Requires="a14">
+        <mc:AlternateContent xmlns:mc="http://schemas.openxmlformats.org/markup-compatibility/2006" xmlns:a14="http://schemas.microsoft.com/office/drawing/2010/main">
+          <mc:Choice Requires="a14">
             <p:sp>
               <p:nvSpPr>
                 <p:cNvPr id="43" name="TextBox 42">
@@ -30160,7 +30203,7 @@
               </p:txBody>
             </p:sp>
           </mc:Choice>
-          <mc:Fallback>
+          <mc:Fallback xmlns="">
             <p:sp>
               <p:nvSpPr>
                 <p:cNvPr id="43" name="TextBox 42">
@@ -30206,8 +30249,8 @@
           </mc:Fallback>
         </mc:AlternateContent>
       </p:grpSp>
-      <mc:AlternateContent xmlns:mc="http://schemas.openxmlformats.org/markup-compatibility/2006">
-        <mc:Choice xmlns:a14="http://schemas.microsoft.com/office/drawing/2010/main" Requires="a14">
+      <mc:AlternateContent xmlns:mc="http://schemas.openxmlformats.org/markup-compatibility/2006" xmlns:a14="http://schemas.microsoft.com/office/drawing/2010/main">
+        <mc:Choice Requires="a14">
           <p:sp>
             <p:nvSpPr>
               <p:cNvPr id="22" name="TextBox 21">
@@ -30433,7 +30476,7 @@
             </p:txBody>
           </p:sp>
         </mc:Choice>
-        <mc:Fallback>
+        <mc:Fallback xmlns="">
           <p:sp>
             <p:nvSpPr>
               <p:cNvPr id="22" name="TextBox 21">
@@ -30478,8 +30521,8 @@
           </p:sp>
         </mc:Fallback>
       </mc:AlternateContent>
-      <mc:AlternateContent xmlns:mc="http://schemas.openxmlformats.org/markup-compatibility/2006">
-        <mc:Choice xmlns:a14="http://schemas.microsoft.com/office/drawing/2010/main" Requires="a14">
+      <mc:AlternateContent xmlns:mc="http://schemas.openxmlformats.org/markup-compatibility/2006" xmlns:a14="http://schemas.microsoft.com/office/drawing/2010/main">
+        <mc:Choice Requires="a14">
           <p:sp>
             <p:nvSpPr>
               <p:cNvPr id="23" name="TextBox 22">
@@ -30705,7 +30748,7 @@
             </p:txBody>
           </p:sp>
         </mc:Choice>
-        <mc:Fallback>
+        <mc:Fallback xmlns="">
           <p:sp>
             <p:nvSpPr>
               <p:cNvPr id="23" name="TextBox 22">
@@ -30750,8 +30793,8 @@
           </p:sp>
         </mc:Fallback>
       </mc:AlternateContent>
-      <mc:AlternateContent xmlns:mc="http://schemas.openxmlformats.org/markup-compatibility/2006">
-        <mc:Choice xmlns:a14="http://schemas.microsoft.com/office/drawing/2010/main" Requires="a14">
+      <mc:AlternateContent xmlns:mc="http://schemas.openxmlformats.org/markup-compatibility/2006" xmlns:a14="http://schemas.microsoft.com/office/drawing/2010/main">
+        <mc:Choice Requires="a14">
           <p:sp>
             <p:nvSpPr>
               <p:cNvPr id="24" name="TextBox 23">
@@ -30977,7 +31020,7 @@
             </p:txBody>
           </p:sp>
         </mc:Choice>
-        <mc:Fallback>
+        <mc:Fallback xmlns="">
           <p:sp>
             <p:nvSpPr>
               <p:cNvPr id="24" name="TextBox 23">
@@ -31022,8 +31065,8 @@
           </p:sp>
         </mc:Fallback>
       </mc:AlternateContent>
-      <mc:AlternateContent xmlns:mc="http://schemas.openxmlformats.org/markup-compatibility/2006">
-        <mc:Choice xmlns:a14="http://schemas.microsoft.com/office/drawing/2010/main" Requires="a14">
+      <mc:AlternateContent xmlns:mc="http://schemas.openxmlformats.org/markup-compatibility/2006" xmlns:a14="http://schemas.microsoft.com/office/drawing/2010/main">
+        <mc:Choice Requires="a14">
           <p:sp>
             <p:nvSpPr>
               <p:cNvPr id="25" name="TextBox 24">
@@ -31317,7 +31360,7 @@
             </p:txBody>
           </p:sp>
         </mc:Choice>
-        <mc:Fallback>
+        <mc:Fallback xmlns="">
           <p:sp>
             <p:nvSpPr>
               <p:cNvPr id="25" name="TextBox 24">
@@ -31362,8 +31405,8 @@
           </p:sp>
         </mc:Fallback>
       </mc:AlternateContent>
-      <mc:AlternateContent xmlns:mc="http://schemas.openxmlformats.org/markup-compatibility/2006">
-        <mc:Choice xmlns:a14="http://schemas.microsoft.com/office/drawing/2010/main" Requires="a14">
+      <mc:AlternateContent xmlns:mc="http://schemas.openxmlformats.org/markup-compatibility/2006" xmlns:a14="http://schemas.microsoft.com/office/drawing/2010/main">
+        <mc:Choice Requires="a14">
           <p:sp>
             <p:nvSpPr>
               <p:cNvPr id="27" name="TextBox 26">
@@ -31448,7 +31491,7 @@
             </p:txBody>
           </p:sp>
         </mc:Choice>
-        <mc:Fallback>
+        <mc:Fallback xmlns="">
           <p:sp>
             <p:nvSpPr>
               <p:cNvPr id="27" name="TextBox 26">
@@ -31493,8 +31536,8 @@
           </p:sp>
         </mc:Fallback>
       </mc:AlternateContent>
-      <mc:AlternateContent xmlns:mc="http://schemas.openxmlformats.org/markup-compatibility/2006">
-        <mc:Choice xmlns:a14="http://schemas.microsoft.com/office/drawing/2010/main" Requires="a14">
+      <mc:AlternateContent xmlns:mc="http://schemas.openxmlformats.org/markup-compatibility/2006" xmlns:a14="http://schemas.microsoft.com/office/drawing/2010/main">
+        <mc:Choice Requires="a14">
           <p:sp>
             <p:nvSpPr>
               <p:cNvPr id="38" name="TextBox 37">
@@ -31579,7 +31622,7 @@
             </p:txBody>
           </p:sp>
         </mc:Choice>
-        <mc:Fallback>
+        <mc:Fallback xmlns="">
           <p:sp>
             <p:nvSpPr>
               <p:cNvPr id="38" name="TextBox 37">
@@ -31624,8 +31667,8 @@
           </p:sp>
         </mc:Fallback>
       </mc:AlternateContent>
-      <mc:AlternateContent xmlns:mc="http://schemas.openxmlformats.org/markup-compatibility/2006">
-        <mc:Choice xmlns:a14="http://schemas.microsoft.com/office/drawing/2010/main" Requires="a14">
+      <mc:AlternateContent xmlns:mc="http://schemas.openxmlformats.org/markup-compatibility/2006" xmlns:a14="http://schemas.microsoft.com/office/drawing/2010/main">
+        <mc:Choice Requires="a14">
           <p:sp>
             <p:nvSpPr>
               <p:cNvPr id="41" name="TextBox 40">
@@ -31710,7 +31753,7 @@
             </p:txBody>
           </p:sp>
         </mc:Choice>
-        <mc:Fallback>
+        <mc:Fallback xmlns="">
           <p:sp>
             <p:nvSpPr>
               <p:cNvPr id="41" name="TextBox 40">
@@ -31755,8 +31798,8 @@
           </p:sp>
         </mc:Fallback>
       </mc:AlternateContent>
-      <mc:AlternateContent xmlns:mc="http://schemas.openxmlformats.org/markup-compatibility/2006">
-        <mc:Choice xmlns:a14="http://schemas.microsoft.com/office/drawing/2010/main" Requires="a14">
+      <mc:AlternateContent xmlns:mc="http://schemas.openxmlformats.org/markup-compatibility/2006" xmlns:a14="http://schemas.microsoft.com/office/drawing/2010/main">
+        <mc:Choice Requires="a14">
           <p:sp>
             <p:nvSpPr>
               <p:cNvPr id="44" name="TextBox 43">
@@ -31806,7 +31849,7 @@
             </p:txBody>
           </p:sp>
         </mc:Choice>
-        <mc:Fallback>
+        <mc:Fallback xmlns="">
           <p:sp>
             <p:nvSpPr>
               <p:cNvPr id="44" name="TextBox 43">
@@ -31851,8 +31894,8 @@
           </p:sp>
         </mc:Fallback>
       </mc:AlternateContent>
-      <mc:AlternateContent xmlns:mc="http://schemas.openxmlformats.org/markup-compatibility/2006">
-        <mc:Choice xmlns:a14="http://schemas.microsoft.com/office/drawing/2010/main" Requires="a14">
+      <mc:AlternateContent xmlns:mc="http://schemas.openxmlformats.org/markup-compatibility/2006" xmlns:a14="http://schemas.microsoft.com/office/drawing/2010/main">
+        <mc:Choice Requires="a14">
           <p:sp>
             <p:nvSpPr>
               <p:cNvPr id="45" name="TextBox 44">
@@ -31902,7 +31945,7 @@
             </p:txBody>
           </p:sp>
         </mc:Choice>
-        <mc:Fallback>
+        <mc:Fallback xmlns="">
           <p:sp>
             <p:nvSpPr>
               <p:cNvPr id="45" name="TextBox 44">
@@ -32909,8 +32952,8 @@
             </a:fontRef>
           </p:style>
         </p:cxnSp>
-        <mc:AlternateContent xmlns:mc="http://schemas.openxmlformats.org/markup-compatibility/2006">
-          <mc:Choice xmlns:a14="http://schemas.microsoft.com/office/drawing/2010/main" Requires="a14">
+        <mc:AlternateContent xmlns:mc="http://schemas.openxmlformats.org/markup-compatibility/2006" xmlns:a14="http://schemas.microsoft.com/office/drawing/2010/main">
+          <mc:Choice Requires="a14">
             <p:sp>
               <p:nvSpPr>
                 <p:cNvPr id="40" name="TextBox 39">
@@ -32985,7 +33028,7 @@
               </p:txBody>
             </p:sp>
           </mc:Choice>
-          <mc:Fallback>
+          <mc:Fallback xmlns="">
             <p:sp>
               <p:nvSpPr>
                 <p:cNvPr id="40" name="TextBox 39">
@@ -33030,8 +33073,8 @@
             </p:sp>
           </mc:Fallback>
         </mc:AlternateContent>
-        <mc:AlternateContent xmlns:mc="http://schemas.openxmlformats.org/markup-compatibility/2006">
-          <mc:Choice xmlns:a14="http://schemas.microsoft.com/office/drawing/2010/main" Requires="a14">
+        <mc:AlternateContent xmlns:mc="http://schemas.openxmlformats.org/markup-compatibility/2006" xmlns:a14="http://schemas.microsoft.com/office/drawing/2010/main">
+          <mc:Choice Requires="a14">
             <p:sp>
               <p:nvSpPr>
                 <p:cNvPr id="42" name="TextBox 41">
@@ -33106,7 +33149,7 @@
               </p:txBody>
             </p:sp>
           </mc:Choice>
-          <mc:Fallback>
+          <mc:Fallback xmlns="">
             <p:sp>
               <p:nvSpPr>
                 <p:cNvPr id="42" name="TextBox 41">
@@ -33151,8 +33194,8 @@
             </p:sp>
           </mc:Fallback>
         </mc:AlternateContent>
-        <mc:AlternateContent xmlns:mc="http://schemas.openxmlformats.org/markup-compatibility/2006">
-          <mc:Choice xmlns:a14="http://schemas.microsoft.com/office/drawing/2010/main" Requires="a14">
+        <mc:AlternateContent xmlns:mc="http://schemas.openxmlformats.org/markup-compatibility/2006" xmlns:a14="http://schemas.microsoft.com/office/drawing/2010/main">
+          <mc:Choice Requires="a14">
             <p:sp>
               <p:nvSpPr>
                 <p:cNvPr id="43" name="TextBox 42">
@@ -33227,7 +33270,7 @@
               </p:txBody>
             </p:sp>
           </mc:Choice>
-          <mc:Fallback>
+          <mc:Fallback xmlns="">
             <p:sp>
               <p:nvSpPr>
                 <p:cNvPr id="43" name="TextBox 42">
@@ -33273,8 +33316,8 @@
           </mc:Fallback>
         </mc:AlternateContent>
       </p:grpSp>
-      <mc:AlternateContent xmlns:mc="http://schemas.openxmlformats.org/markup-compatibility/2006">
-        <mc:Choice xmlns:a14="http://schemas.microsoft.com/office/drawing/2010/main" Requires="a14">
+      <mc:AlternateContent xmlns:mc="http://schemas.openxmlformats.org/markup-compatibility/2006" xmlns:a14="http://schemas.microsoft.com/office/drawing/2010/main">
+        <mc:Choice Requires="a14">
           <p:sp>
             <p:nvSpPr>
               <p:cNvPr id="25" name="TextBox 24">
@@ -33863,7 +33906,7 @@
             </p:txBody>
           </p:sp>
         </mc:Choice>
-        <mc:Fallback>
+        <mc:Fallback xmlns="">
           <p:sp>
             <p:nvSpPr>
               <p:cNvPr id="25" name="TextBox 24">
@@ -33908,8 +33951,8 @@
           </p:sp>
         </mc:Fallback>
       </mc:AlternateContent>
-      <mc:AlternateContent xmlns:mc="http://schemas.openxmlformats.org/markup-compatibility/2006">
-        <mc:Choice xmlns:a14="http://schemas.microsoft.com/office/drawing/2010/main" Requires="a14">
+      <mc:AlternateContent xmlns:mc="http://schemas.openxmlformats.org/markup-compatibility/2006" xmlns:a14="http://schemas.microsoft.com/office/drawing/2010/main">
+        <mc:Choice Requires="a14">
           <p:sp>
             <p:nvSpPr>
               <p:cNvPr id="27" name="TextBox 26">
@@ -33994,7 +34037,7 @@
             </p:txBody>
           </p:sp>
         </mc:Choice>
-        <mc:Fallback>
+        <mc:Fallback xmlns="">
           <p:sp>
             <p:nvSpPr>
               <p:cNvPr id="27" name="TextBox 26">
@@ -34039,8 +34082,8 @@
           </p:sp>
         </mc:Fallback>
       </mc:AlternateContent>
-      <mc:AlternateContent xmlns:mc="http://schemas.openxmlformats.org/markup-compatibility/2006">
-        <mc:Choice xmlns:a14="http://schemas.microsoft.com/office/drawing/2010/main" Requires="a14">
+      <mc:AlternateContent xmlns:mc="http://schemas.openxmlformats.org/markup-compatibility/2006" xmlns:a14="http://schemas.microsoft.com/office/drawing/2010/main">
+        <mc:Choice Requires="a14">
           <p:sp>
             <p:nvSpPr>
               <p:cNvPr id="38" name="TextBox 37">
@@ -34125,7 +34168,7 @@
             </p:txBody>
           </p:sp>
         </mc:Choice>
-        <mc:Fallback>
+        <mc:Fallback xmlns="">
           <p:sp>
             <p:nvSpPr>
               <p:cNvPr id="38" name="TextBox 37">
@@ -34170,8 +34213,8 @@
           </p:sp>
         </mc:Fallback>
       </mc:AlternateContent>
-      <mc:AlternateContent xmlns:mc="http://schemas.openxmlformats.org/markup-compatibility/2006">
-        <mc:Choice xmlns:a14="http://schemas.microsoft.com/office/drawing/2010/main" Requires="a14">
+      <mc:AlternateContent xmlns:mc="http://schemas.openxmlformats.org/markup-compatibility/2006" xmlns:a14="http://schemas.microsoft.com/office/drawing/2010/main">
+        <mc:Choice Requires="a14">
           <p:sp>
             <p:nvSpPr>
               <p:cNvPr id="41" name="TextBox 40">
@@ -34256,7 +34299,7 @@
             </p:txBody>
           </p:sp>
         </mc:Choice>
-        <mc:Fallback>
+        <mc:Fallback xmlns="">
           <p:sp>
             <p:nvSpPr>
               <p:cNvPr id="41" name="TextBox 40">
@@ -34301,8 +34344,8 @@
           </p:sp>
         </mc:Fallback>
       </mc:AlternateContent>
-      <mc:AlternateContent xmlns:mc="http://schemas.openxmlformats.org/markup-compatibility/2006">
-        <mc:Choice xmlns:a14="http://schemas.microsoft.com/office/drawing/2010/main" Requires="a14">
+      <mc:AlternateContent xmlns:mc="http://schemas.openxmlformats.org/markup-compatibility/2006" xmlns:a14="http://schemas.microsoft.com/office/drawing/2010/main">
+        <mc:Choice Requires="a14">
           <p:sp>
             <p:nvSpPr>
               <p:cNvPr id="44" name="TextBox 43">
@@ -34528,7 +34571,7 @@
             </p:txBody>
           </p:sp>
         </mc:Choice>
-        <mc:Fallback>
+        <mc:Fallback xmlns="">
           <p:sp>
             <p:nvSpPr>
               <p:cNvPr id="44" name="TextBox 43">
@@ -34573,8 +34616,8 @@
           </p:sp>
         </mc:Fallback>
       </mc:AlternateContent>
-      <mc:AlternateContent xmlns:mc="http://schemas.openxmlformats.org/markup-compatibility/2006">
-        <mc:Choice xmlns:a14="http://schemas.microsoft.com/office/drawing/2010/main" Requires="a14">
+      <mc:AlternateContent xmlns:mc="http://schemas.openxmlformats.org/markup-compatibility/2006" xmlns:a14="http://schemas.microsoft.com/office/drawing/2010/main">
+        <mc:Choice Requires="a14">
           <p:sp>
             <p:nvSpPr>
               <p:cNvPr id="45" name="TextBox 44">
@@ -34800,7 +34843,7 @@
             </p:txBody>
           </p:sp>
         </mc:Choice>
-        <mc:Fallback>
+        <mc:Fallback xmlns="">
           <p:sp>
             <p:nvSpPr>
               <p:cNvPr id="45" name="TextBox 44">
@@ -34845,8 +34888,8 @@
           </p:sp>
         </mc:Fallback>
       </mc:AlternateContent>
-      <mc:AlternateContent xmlns:mc="http://schemas.openxmlformats.org/markup-compatibility/2006">
-        <mc:Choice xmlns:a14="http://schemas.microsoft.com/office/drawing/2010/main" Requires="a14">
+      <mc:AlternateContent xmlns:mc="http://schemas.openxmlformats.org/markup-compatibility/2006" xmlns:a14="http://schemas.microsoft.com/office/drawing/2010/main">
+        <mc:Choice Requires="a14">
           <p:sp>
             <p:nvSpPr>
               <p:cNvPr id="46" name="TextBox 45">
@@ -35072,7 +35115,7 @@
             </p:txBody>
           </p:sp>
         </mc:Choice>
-        <mc:Fallback>
+        <mc:Fallback xmlns="">
           <p:sp>
             <p:nvSpPr>
               <p:cNvPr id="46" name="TextBox 45">
@@ -35240,8 +35283,8 @@
           </a:fontRef>
         </p:style>
       </p:cxnSp>
-      <mc:AlternateContent xmlns:mc="http://schemas.openxmlformats.org/markup-compatibility/2006">
-        <mc:Choice xmlns:a14="http://schemas.microsoft.com/office/drawing/2010/main" Requires="a14">
+      <mc:AlternateContent xmlns:mc="http://schemas.openxmlformats.org/markup-compatibility/2006" xmlns:a14="http://schemas.microsoft.com/office/drawing/2010/main">
+        <mc:Choice Requires="a14">
           <p:sp>
             <p:nvSpPr>
               <p:cNvPr id="50" name="TextBox 49">
@@ -35291,7 +35334,7 @@
             </p:txBody>
           </p:sp>
         </mc:Choice>
-        <mc:Fallback>
+        <mc:Fallback xmlns="">
           <p:sp>
             <p:nvSpPr>
               <p:cNvPr id="50" name="TextBox 49">
@@ -35336,8 +35379,8 @@
           </p:sp>
         </mc:Fallback>
       </mc:AlternateContent>
-      <mc:AlternateContent xmlns:mc="http://schemas.openxmlformats.org/markup-compatibility/2006">
-        <mc:Choice xmlns:a14="http://schemas.microsoft.com/office/drawing/2010/main" Requires="a14">
+      <mc:AlternateContent xmlns:mc="http://schemas.openxmlformats.org/markup-compatibility/2006" xmlns:a14="http://schemas.microsoft.com/office/drawing/2010/main">
+        <mc:Choice Requires="a14">
           <p:sp>
             <p:nvSpPr>
               <p:cNvPr id="51" name="TextBox 50">
@@ -35387,7 +35430,7 @@
             </p:txBody>
           </p:sp>
         </mc:Choice>
-        <mc:Fallback>
+        <mc:Fallback xmlns="">
           <p:sp>
             <p:nvSpPr>
               <p:cNvPr id="51" name="TextBox 50">
@@ -35817,8 +35860,8 @@
           </a:p>
         </p:txBody>
       </p:sp>
-      <mc:AlternateContent xmlns:mc="http://schemas.openxmlformats.org/markup-compatibility/2006">
-        <mc:Choice xmlns:a14="http://schemas.microsoft.com/office/drawing/2010/main" Requires="a14">
+      <mc:AlternateContent xmlns:mc="http://schemas.openxmlformats.org/markup-compatibility/2006" xmlns:a14="http://schemas.microsoft.com/office/drawing/2010/main">
+        <mc:Choice Requires="a14">
           <p:sp>
             <p:nvSpPr>
               <p:cNvPr id="25" name="TextBox 24">
@@ -36357,7 +36400,7 @@
             </p:txBody>
           </p:sp>
         </mc:Choice>
-        <mc:Fallback>
+        <mc:Fallback xmlns="">
           <p:sp>
             <p:nvSpPr>
               <p:cNvPr id="25" name="TextBox 24">
@@ -36402,8 +36445,8 @@
           </p:sp>
         </mc:Fallback>
       </mc:AlternateContent>
-      <mc:AlternateContent xmlns:mc="http://schemas.openxmlformats.org/markup-compatibility/2006">
-        <mc:Choice xmlns:a14="http://schemas.microsoft.com/office/drawing/2010/main" Requires="a14">
+      <mc:AlternateContent xmlns:mc="http://schemas.openxmlformats.org/markup-compatibility/2006" xmlns:a14="http://schemas.microsoft.com/office/drawing/2010/main">
+        <mc:Choice Requires="a14">
           <p:sp>
             <p:nvSpPr>
               <p:cNvPr id="47" name="TextBox 46">
@@ -36453,7 +36496,7 @@
             </p:txBody>
           </p:sp>
         </mc:Choice>
-        <mc:Fallback>
+        <mc:Fallback xmlns="">
           <p:sp>
             <p:nvSpPr>
               <p:cNvPr id="47" name="TextBox 46">
@@ -36577,8 +36620,8 @@
             <a:chExt cx="2171701" cy="830997"/>
           </a:xfrm>
         </p:grpSpPr>
-        <mc:AlternateContent xmlns:mc="http://schemas.openxmlformats.org/markup-compatibility/2006">
-          <mc:Choice xmlns:a14="http://schemas.microsoft.com/office/drawing/2010/main" Requires="a14">
+        <mc:AlternateContent xmlns:mc="http://schemas.openxmlformats.org/markup-compatibility/2006" xmlns:a14="http://schemas.microsoft.com/office/drawing/2010/main">
+          <mc:Choice Requires="a14">
             <p:sp>
               <p:nvSpPr>
                 <p:cNvPr id="3" name="TextBox 2">
@@ -36607,6 +36650,7 @@
                 </a:bodyPr>
                 <a:lstStyle/>
                 <a:p>
+                  <a:pPr/>
                   <a14:m>
                     <m:oMathPara xmlns:m="http://schemas.openxmlformats.org/officeDocument/2006/math">
                       <m:oMathParaPr>
@@ -36627,7 +36671,7 @@
               </p:txBody>
             </p:sp>
           </mc:Choice>
-          <mc:Fallback>
+          <mc:Fallback xmlns="">
             <p:sp>
               <p:nvSpPr>
                 <p:cNvPr id="3" name="TextBox 2">
@@ -37143,8 +37187,8 @@
           </a:p>
         </p:txBody>
       </p:sp>
-      <mc:AlternateContent xmlns:mc="http://schemas.openxmlformats.org/markup-compatibility/2006">
-        <mc:Choice xmlns:a14="http://schemas.microsoft.com/office/drawing/2010/main" Requires="a14">
+      <mc:AlternateContent xmlns:mc="http://schemas.openxmlformats.org/markup-compatibility/2006" xmlns:a14="http://schemas.microsoft.com/office/drawing/2010/main">
+        <mc:Choice Requires="a14">
           <p:sp>
             <p:nvSpPr>
               <p:cNvPr id="25" name="TextBox 24">
@@ -37683,7 +37727,7 @@
             </p:txBody>
           </p:sp>
         </mc:Choice>
-        <mc:Fallback>
+        <mc:Fallback xmlns="">
           <p:sp>
             <p:nvSpPr>
               <p:cNvPr id="25" name="TextBox 24">
@@ -37791,8 +37835,8 @@
           </a:p>
         </p:txBody>
       </p:sp>
-      <mc:AlternateContent xmlns:mc="http://schemas.openxmlformats.org/markup-compatibility/2006">
-        <mc:Choice xmlns:a14="http://schemas.microsoft.com/office/drawing/2010/main" Requires="a14">
+      <mc:AlternateContent xmlns:mc="http://schemas.openxmlformats.org/markup-compatibility/2006" xmlns:a14="http://schemas.microsoft.com/office/drawing/2010/main">
+        <mc:Choice Requires="a14">
           <p:sp>
             <p:nvSpPr>
               <p:cNvPr id="9" name="TextBox 8">
@@ -37842,7 +37886,7 @@
             </p:txBody>
           </p:sp>
         </mc:Choice>
-        <mc:Fallback>
+        <mc:Fallback xmlns="">
           <p:sp>
             <p:nvSpPr>
               <p:cNvPr id="9" name="TextBox 8">
@@ -38325,8 +38369,8 @@
               <a:chExt cx="3629025" cy="1615324"/>
             </a:xfrm>
           </p:grpSpPr>
-          <mc:AlternateContent xmlns:mc="http://schemas.openxmlformats.org/markup-compatibility/2006">
-            <mc:Choice xmlns:a14="http://schemas.microsoft.com/office/drawing/2010/main" Requires="a14">
+          <mc:AlternateContent xmlns:mc="http://schemas.openxmlformats.org/markup-compatibility/2006" xmlns:a14="http://schemas.microsoft.com/office/drawing/2010/main">
+            <mc:Choice Requires="a14">
               <p:sp>
                 <p:nvSpPr>
                   <p:cNvPr id="43" name="TextBox 42">
@@ -38355,6 +38399,7 @@
                   </a:bodyPr>
                   <a:lstStyle/>
                   <a:p>
+                    <a:pPr/>
                     <a14:m>
                       <m:oMathPara xmlns:m="http://schemas.openxmlformats.org/officeDocument/2006/math">
                         <m:oMathParaPr>
@@ -38405,7 +38450,7 @@
                 </p:txBody>
               </p:sp>
             </mc:Choice>
-            <mc:Fallback>
+            <mc:Fallback xmlns="">
               <p:sp>
                 <p:nvSpPr>
                   <p:cNvPr id="43" name="TextBox 42">
@@ -39187,8 +39232,8 @@
             </a:fontRef>
           </p:style>
         </p:cxnSp>
-        <mc:AlternateContent xmlns:mc="http://schemas.openxmlformats.org/markup-compatibility/2006">
-          <mc:Choice xmlns:a14="http://schemas.microsoft.com/office/drawing/2010/main" Requires="a14">
+        <mc:AlternateContent xmlns:mc="http://schemas.openxmlformats.org/markup-compatibility/2006" xmlns:a14="http://schemas.microsoft.com/office/drawing/2010/main">
+          <mc:Choice Requires="a14">
             <p:sp>
               <p:nvSpPr>
                 <p:cNvPr id="71" name="TextBox 70">
@@ -39349,7 +39394,7 @@
               </p:txBody>
             </p:sp>
           </mc:Choice>
-          <mc:Fallback>
+          <mc:Fallback xmlns="">
             <p:sp>
               <p:nvSpPr>
                 <p:cNvPr id="71" name="TextBox 70">
@@ -39593,8 +39638,8 @@
               <a:chExt cx="3629025" cy="2389115"/>
             </a:xfrm>
           </p:grpSpPr>
-          <mc:AlternateContent xmlns:mc="http://schemas.openxmlformats.org/markup-compatibility/2006">
-            <mc:Choice xmlns:a14="http://schemas.microsoft.com/office/drawing/2010/main" Requires="a14">
+          <mc:AlternateContent xmlns:mc="http://schemas.openxmlformats.org/markup-compatibility/2006" xmlns:a14="http://schemas.microsoft.com/office/drawing/2010/main">
+            <mc:Choice Requires="a14">
               <p:sp>
                 <p:nvSpPr>
                   <p:cNvPr id="3" name="TextBox 2">
@@ -39623,6 +39668,7 @@
                   </a:bodyPr>
                   <a:lstStyle/>
                   <a:p>
+                    <a:pPr/>
                     <a14:m>
                       <m:oMathPara xmlns:m="http://schemas.openxmlformats.org/officeDocument/2006/math">
                         <m:oMathParaPr>
@@ -39669,7 +39715,7 @@
                 </p:txBody>
               </p:sp>
             </mc:Choice>
-            <mc:Fallback>
+            <mc:Fallback xmlns="">
               <p:sp>
                 <p:nvSpPr>
                   <p:cNvPr id="3" name="TextBox 2">
@@ -40491,8 +40537,8 @@
           </p:txBody>
         </p:sp>
       </p:grpSp>
-      <mc:AlternateContent xmlns:mc="http://schemas.openxmlformats.org/markup-compatibility/2006">
-        <mc:Choice xmlns:a14="http://schemas.microsoft.com/office/drawing/2010/main" Requires="a14">
+      <mc:AlternateContent xmlns:mc="http://schemas.openxmlformats.org/markup-compatibility/2006" xmlns:a14="http://schemas.microsoft.com/office/drawing/2010/main">
+        <mc:Choice Requires="a14">
           <p:sp>
             <p:nvSpPr>
               <p:cNvPr id="90" name="TextBox 89">
@@ -40615,7 +40661,7 @@
             </p:txBody>
           </p:sp>
         </mc:Choice>
-        <mc:Fallback>
+        <mc:Fallback xmlns="">
           <p:sp>
             <p:nvSpPr>
               <p:cNvPr id="90" name="TextBox 89">
@@ -40958,8 +41004,8 @@
               <a:chExt cx="3629025" cy="1615324"/>
             </a:xfrm>
           </p:grpSpPr>
-          <mc:AlternateContent xmlns:mc="http://schemas.openxmlformats.org/markup-compatibility/2006">
-            <mc:Choice xmlns:a14="http://schemas.microsoft.com/office/drawing/2010/main" Requires="a14">
+          <mc:AlternateContent xmlns:mc="http://schemas.openxmlformats.org/markup-compatibility/2006" xmlns:a14="http://schemas.microsoft.com/office/drawing/2010/main">
+            <mc:Choice Requires="a14">
               <p:sp>
                 <p:nvSpPr>
                   <p:cNvPr id="43" name="TextBox 42">
@@ -40988,6 +41034,7 @@
                   </a:bodyPr>
                   <a:lstStyle/>
                   <a:p>
+                    <a:pPr/>
                     <a14:m>
                       <m:oMathPara xmlns:m="http://schemas.openxmlformats.org/officeDocument/2006/math">
                         <m:oMathParaPr>
@@ -41038,7 +41085,7 @@
                 </p:txBody>
               </p:sp>
             </mc:Choice>
-            <mc:Fallback>
+            <mc:Fallback xmlns="">
               <p:sp>
                 <p:nvSpPr>
                   <p:cNvPr id="43" name="TextBox 42">
@@ -41820,8 +41867,8 @@
             </a:fontRef>
           </p:style>
         </p:cxnSp>
-        <mc:AlternateContent xmlns:mc="http://schemas.openxmlformats.org/markup-compatibility/2006">
-          <mc:Choice xmlns:a14="http://schemas.microsoft.com/office/drawing/2010/main" Requires="a14">
+        <mc:AlternateContent xmlns:mc="http://schemas.openxmlformats.org/markup-compatibility/2006" xmlns:a14="http://schemas.microsoft.com/office/drawing/2010/main">
+          <mc:Choice Requires="a14">
             <p:sp>
               <p:nvSpPr>
                 <p:cNvPr id="71" name="TextBox 70">
@@ -41982,7 +42029,7 @@
               </p:txBody>
             </p:sp>
           </mc:Choice>
-          <mc:Fallback>
+          <mc:Fallback xmlns="">
             <p:sp>
               <p:nvSpPr>
                 <p:cNvPr id="71" name="TextBox 70">
@@ -42226,8 +42273,8 @@
               <a:chExt cx="3629025" cy="2389115"/>
             </a:xfrm>
           </p:grpSpPr>
-          <mc:AlternateContent xmlns:mc="http://schemas.openxmlformats.org/markup-compatibility/2006">
-            <mc:Choice xmlns:a14="http://schemas.microsoft.com/office/drawing/2010/main" Requires="a14">
+          <mc:AlternateContent xmlns:mc="http://schemas.openxmlformats.org/markup-compatibility/2006" xmlns:a14="http://schemas.microsoft.com/office/drawing/2010/main">
+            <mc:Choice Requires="a14">
               <p:sp>
                 <p:nvSpPr>
                   <p:cNvPr id="3" name="TextBox 2">
@@ -42256,6 +42303,7 @@
                   </a:bodyPr>
                   <a:lstStyle/>
                   <a:p>
+                    <a:pPr/>
                     <a14:m>
                       <m:oMathPara xmlns:m="http://schemas.openxmlformats.org/officeDocument/2006/math">
                         <m:oMathParaPr>
@@ -42302,7 +42350,7 @@
                 </p:txBody>
               </p:sp>
             </mc:Choice>
-            <mc:Fallback>
+            <mc:Fallback xmlns="">
               <p:sp>
                 <p:nvSpPr>
                   <p:cNvPr id="3" name="TextBox 2">
@@ -43124,8 +43172,8 @@
           </p:txBody>
         </p:sp>
       </p:grpSp>
-      <mc:AlternateContent xmlns:mc="http://schemas.openxmlformats.org/markup-compatibility/2006">
-        <mc:Choice xmlns:a14="http://schemas.microsoft.com/office/drawing/2010/main" Requires="a14">
+      <mc:AlternateContent xmlns:mc="http://schemas.openxmlformats.org/markup-compatibility/2006" xmlns:a14="http://schemas.microsoft.com/office/drawing/2010/main">
+        <mc:Choice Requires="a14">
           <p:sp>
             <p:nvSpPr>
               <p:cNvPr id="90" name="TextBox 89">
@@ -43248,7 +43296,7 @@
             </p:txBody>
           </p:sp>
         </mc:Choice>
-        <mc:Fallback>
+        <mc:Fallback xmlns="">
           <p:sp>
             <p:nvSpPr>
               <p:cNvPr id="90" name="TextBox 89">
@@ -43404,8 +43452,8 @@
           </a:p>
         </p:txBody>
       </p:sp>
-      <mc:AlternateContent xmlns:mc="http://schemas.openxmlformats.org/markup-compatibility/2006">
-        <mc:Choice xmlns:a14="http://schemas.microsoft.com/office/drawing/2010/main" Requires="a14">
+      <mc:AlternateContent xmlns:mc="http://schemas.openxmlformats.org/markup-compatibility/2006" xmlns:a14="http://schemas.microsoft.com/office/drawing/2010/main">
+        <mc:Choice Requires="a14">
           <p:sp>
             <p:nvSpPr>
               <p:cNvPr id="3" name="TextBox 2">
@@ -43434,6 +43482,7 @@
               </a:bodyPr>
               <a:lstStyle/>
               <a:p>
+                <a:pPr/>
                 <a14:m>
                   <m:oMathPara xmlns:m="http://schemas.openxmlformats.org/officeDocument/2006/math">
                     <m:oMathParaPr>
@@ -43472,7 +43521,7 @@
             </p:txBody>
           </p:sp>
         </mc:Choice>
-        <mc:Fallback>
+        <mc:Fallback xmlns="">
           <p:sp>
             <p:nvSpPr>
               <p:cNvPr id="3" name="TextBox 2">
@@ -43656,8 +43705,8 @@
           </a:p>
         </p:txBody>
       </p:sp>
-      <mc:AlternateContent xmlns:mc="http://schemas.openxmlformats.org/markup-compatibility/2006">
-        <mc:Choice xmlns:a14="http://schemas.microsoft.com/office/drawing/2010/main" Requires="a14">
+      <mc:AlternateContent xmlns:mc="http://schemas.openxmlformats.org/markup-compatibility/2006" xmlns:a14="http://schemas.microsoft.com/office/drawing/2010/main">
+        <mc:Choice Requires="a14">
           <p:sp>
             <p:nvSpPr>
               <p:cNvPr id="3" name="TextBox 2">
@@ -43686,6 +43735,7 @@
               </a:bodyPr>
               <a:lstStyle/>
               <a:p>
+                <a:pPr/>
                 <a14:m>
                   <m:oMathPara xmlns:m="http://schemas.openxmlformats.org/officeDocument/2006/math">
                     <m:oMathParaPr>
@@ -43733,6 +43783,7 @@
                 <a:endParaRPr lang="en-US" altLang="ko-KR" sz="2400" b="0" dirty="0"/>
               </a:p>
               <a:p>
+                <a:pPr/>
                 <a14:m>
                   <m:oMathPara xmlns:m="http://schemas.openxmlformats.org/officeDocument/2006/math">
                     <m:oMathParaPr>
@@ -43772,13 +43823,7 @@
                         <a:rPr lang="en-US" altLang="ko-KR" sz="2400" b="0" i="1" smtClean="0">
                           <a:latin typeface="Cambria Math" panose="02040503050406030204" pitchFamily="18" charset="0"/>
                         </a:rPr>
-                        <m:t>=0.</m:t>
-                      </m:r>
-                      <m:r>
-                        <a:rPr lang="en-US" altLang="ko-KR" sz="2400" b="0" i="1" smtClean="0">
-                          <a:latin typeface="Cambria Math" panose="02040503050406030204" pitchFamily="18" charset="0"/>
-                        </a:rPr>
-                        <m:t>2</m:t>
+                        <m:t>=0.2</m:t>
                       </m:r>
                     </m:oMath>
                   </m:oMathPara>
@@ -43786,6 +43831,7 @@
                 <a:endParaRPr lang="ko-KR" altLang="en-US" sz="2400" dirty="0"/>
               </a:p>
               <a:p>
+                <a:pPr/>
                 <a14:m>
                   <m:oMathPara xmlns:m="http://schemas.openxmlformats.org/officeDocument/2006/math">
                     <m:oMathParaPr>
@@ -43825,13 +43871,7 @@
                         <a:rPr lang="en-US" altLang="ko-KR" sz="2400" b="0" i="1" smtClean="0">
                           <a:latin typeface="Cambria Math" panose="02040503050406030204" pitchFamily="18" charset="0"/>
                         </a:rPr>
-                        <m:t>=0.</m:t>
-                      </m:r>
-                      <m:r>
-                        <a:rPr lang="en-US" altLang="ko-KR" sz="2400" b="0" i="1" smtClean="0">
-                          <a:latin typeface="Cambria Math" panose="02040503050406030204" pitchFamily="18" charset="0"/>
-                        </a:rPr>
-                        <m:t>3</m:t>
+                        <m:t>=0.3</m:t>
                       </m:r>
                     </m:oMath>
                   </m:oMathPara>
@@ -43839,6 +43879,7 @@
                 <a:endParaRPr lang="en-US" altLang="ko-KR" sz="2400" dirty="0"/>
               </a:p>
               <a:p>
+                <a:pPr/>
                 <a14:m>
                   <m:oMathPara xmlns:m="http://schemas.openxmlformats.org/officeDocument/2006/math">
                     <m:oMathParaPr>
@@ -43878,13 +43919,7 @@
                         <a:rPr lang="en-US" altLang="ko-KR" sz="2400" b="0" i="1" smtClean="0">
                           <a:latin typeface="Cambria Math" panose="02040503050406030204" pitchFamily="18" charset="0"/>
                         </a:rPr>
-                        <m:t>=0.</m:t>
-                      </m:r>
-                      <m:r>
-                        <a:rPr lang="en-US" altLang="ko-KR" sz="2400" b="0" i="1" smtClean="0">
-                          <a:latin typeface="Cambria Math" panose="02040503050406030204" pitchFamily="18" charset="0"/>
-                        </a:rPr>
-                        <m:t>4</m:t>
+                        <m:t>=0.4</m:t>
                       </m:r>
                     </m:oMath>
                   </m:oMathPara>
@@ -43892,6 +43927,7 @@
                 <a:endParaRPr lang="ko-KR" altLang="en-US" sz="2400" dirty="0"/>
               </a:p>
               <a:p>
+                <a:pPr/>
                 <a14:m>
                   <m:oMathPara xmlns:m="http://schemas.openxmlformats.org/officeDocument/2006/math">
                     <m:oMathParaPr>
@@ -43931,13 +43967,7 @@
                         <a:rPr lang="en-US" altLang="ko-KR" sz="2400" b="0" i="1" smtClean="0">
                           <a:latin typeface="Cambria Math" panose="02040503050406030204" pitchFamily="18" charset="0"/>
                         </a:rPr>
-                        <m:t>=0.</m:t>
-                      </m:r>
-                      <m:r>
-                        <a:rPr lang="en-US" altLang="ko-KR" sz="2400" b="0" i="1" smtClean="0">
-                          <a:latin typeface="Cambria Math" panose="02040503050406030204" pitchFamily="18" charset="0"/>
-                        </a:rPr>
-                        <m:t>5</m:t>
+                        <m:t>=0.5</m:t>
                       </m:r>
                     </m:oMath>
                   </m:oMathPara>
@@ -43945,6 +43975,7 @@
                 <a:endParaRPr lang="ko-KR" altLang="en-US" sz="2400" dirty="0"/>
               </a:p>
               <a:p>
+                <a:pPr/>
                 <a14:m>
                   <m:oMathPara xmlns:m="http://schemas.openxmlformats.org/officeDocument/2006/math">
                     <m:oMathParaPr>
@@ -43984,13 +44015,7 @@
                         <a:rPr lang="en-US" altLang="ko-KR" sz="2400" b="0" i="1" smtClean="0">
                           <a:latin typeface="Cambria Math" panose="02040503050406030204" pitchFamily="18" charset="0"/>
                         </a:rPr>
-                        <m:t>=0.</m:t>
-                      </m:r>
-                      <m:r>
-                        <a:rPr lang="en-US" altLang="ko-KR" sz="2400" b="0" i="1" smtClean="0">
-                          <a:latin typeface="Cambria Math" panose="02040503050406030204" pitchFamily="18" charset="0"/>
-                        </a:rPr>
-                        <m:t>4</m:t>
+                        <m:t>=0.4</m:t>
                       </m:r>
                     </m:oMath>
                   </m:oMathPara>
@@ -43998,6 +44023,7 @@
                 <a:endParaRPr lang="ko-KR" altLang="en-US" sz="2400" dirty="0"/>
               </a:p>
               <a:p>
+                <a:pPr/>
                 <a14:m>
                   <m:oMathPara xmlns:m="http://schemas.openxmlformats.org/officeDocument/2006/math">
                     <m:oMathParaPr>
@@ -44037,13 +44063,7 @@
                         <a:rPr lang="en-US" altLang="ko-KR" sz="2400" b="0" i="1" smtClean="0">
                           <a:latin typeface="Cambria Math" panose="02040503050406030204" pitchFamily="18" charset="0"/>
                         </a:rPr>
-                        <m:t>=0.</m:t>
-                      </m:r>
-                      <m:r>
-                        <a:rPr lang="en-US" altLang="ko-KR" sz="2400" b="0" i="1" smtClean="0">
-                          <a:latin typeface="Cambria Math" panose="02040503050406030204" pitchFamily="18" charset="0"/>
-                        </a:rPr>
-                        <m:t>3</m:t>
+                        <m:t>=0.3</m:t>
                       </m:r>
                     </m:oMath>
                   </m:oMathPara>
@@ -44051,6 +44071,7 @@
                 <a:endParaRPr lang="ko-KR" altLang="en-US" sz="2400" dirty="0"/>
               </a:p>
               <a:p>
+                <a:pPr/>
                 <a14:m>
                   <m:oMathPara xmlns:m="http://schemas.openxmlformats.org/officeDocument/2006/math">
                     <m:oMathParaPr>
@@ -44090,13 +44111,7 @@
                         <a:rPr lang="en-US" altLang="ko-KR" sz="2400" b="0" i="1" smtClean="0">
                           <a:latin typeface="Cambria Math" panose="02040503050406030204" pitchFamily="18" charset="0"/>
                         </a:rPr>
-                        <m:t>=0.</m:t>
-                      </m:r>
-                      <m:r>
-                        <a:rPr lang="en-US" altLang="ko-KR" sz="2400" b="0" i="1" smtClean="0">
-                          <a:latin typeface="Cambria Math" panose="02040503050406030204" pitchFamily="18" charset="0"/>
-                        </a:rPr>
-                        <m:t>2</m:t>
+                        <m:t>=0.2</m:t>
                       </m:r>
                     </m:oMath>
                   </m:oMathPara>
@@ -44104,6 +44119,7 @@
                 <a:endParaRPr lang="ko-KR" altLang="en-US" sz="2400" dirty="0"/>
               </a:p>
               <a:p>
+                <a:pPr/>
                 <a14:m>
                   <m:oMathPara xmlns:m="http://schemas.openxmlformats.org/officeDocument/2006/math">
                     <m:oMathParaPr>
@@ -44153,7 +44169,7 @@
             </p:txBody>
           </p:sp>
         </mc:Choice>
-        <mc:Fallback>
+        <mc:Fallback xmlns="">
           <p:sp>
             <p:nvSpPr>
               <p:cNvPr id="3" name="TextBox 2">
@@ -44497,8 +44513,8 @@
           </a:p>
         </p:txBody>
       </p:sp>
-      <mc:AlternateContent xmlns:mc="http://schemas.openxmlformats.org/markup-compatibility/2006">
-        <mc:Choice xmlns:a14="http://schemas.microsoft.com/office/drawing/2010/main" Requires="a14">
+      <mc:AlternateContent xmlns:mc="http://schemas.openxmlformats.org/markup-compatibility/2006" xmlns:a14="http://schemas.microsoft.com/office/drawing/2010/main">
+        <mc:Choice Requires="a14">
           <p:sp>
             <p:nvSpPr>
               <p:cNvPr id="3" name="TextBox 2">
@@ -44527,6 +44543,7 @@
               </a:bodyPr>
               <a:lstStyle/>
               <a:p>
+                <a:pPr/>
                 <a14:m>
                   <m:oMathPara xmlns:m="http://schemas.openxmlformats.org/officeDocument/2006/math">
                     <m:oMathParaPr>
@@ -44596,7 +44613,7 @@
             </p:txBody>
           </p:sp>
         </mc:Choice>
-        <mc:Fallback>
+        <mc:Fallback xmlns="">
           <p:sp>
             <p:nvSpPr>
               <p:cNvPr id="3" name="TextBox 2">
@@ -45472,8 +45489,8 @@
           </a:p>
         </p:txBody>
       </p:sp>
-      <mc:AlternateContent xmlns:mc="http://schemas.openxmlformats.org/markup-compatibility/2006">
-        <mc:Choice xmlns:a14="http://schemas.microsoft.com/office/drawing/2010/main" Requires="a14">
+      <mc:AlternateContent xmlns:mc="http://schemas.openxmlformats.org/markup-compatibility/2006" xmlns:a14="http://schemas.microsoft.com/office/drawing/2010/main">
+        <mc:Choice Requires="a14">
           <p:sp>
             <p:nvSpPr>
               <p:cNvPr id="35" name="TextBox 34">
@@ -45502,6 +45519,7 @@
               </a:bodyPr>
               <a:lstStyle/>
               <a:p>
+                <a:pPr/>
                 <a14:m>
                   <m:oMathPara xmlns:m="http://schemas.openxmlformats.org/officeDocument/2006/math">
                     <m:oMathParaPr>
@@ -45575,7 +45593,7 @@
             </p:txBody>
           </p:sp>
         </mc:Choice>
-        <mc:Fallback>
+        <mc:Fallback xmlns="">
           <p:sp>
             <p:nvSpPr>
               <p:cNvPr id="35" name="TextBox 34">
@@ -45620,8 +45638,8 @@
           </p:sp>
         </mc:Fallback>
       </mc:AlternateContent>
-      <mc:AlternateContent xmlns:mc="http://schemas.openxmlformats.org/markup-compatibility/2006">
-        <mc:Choice xmlns:a14="http://schemas.microsoft.com/office/drawing/2010/main" Requires="a14">
+      <mc:AlternateContent xmlns:mc="http://schemas.openxmlformats.org/markup-compatibility/2006" xmlns:a14="http://schemas.microsoft.com/office/drawing/2010/main">
+        <mc:Choice Requires="a14">
           <p:sp>
             <p:nvSpPr>
               <p:cNvPr id="36" name="TextBox 35">
@@ -45650,6 +45668,7 @@
               </a:bodyPr>
               <a:lstStyle/>
               <a:p>
+                <a:pPr/>
                 <a14:m>
                   <m:oMathPara xmlns:m="http://schemas.openxmlformats.org/officeDocument/2006/math">
                     <m:oMathParaPr>
@@ -45784,7 +45803,7 @@
             </p:txBody>
           </p:sp>
         </mc:Choice>
-        <mc:Fallback>
+        <mc:Fallback xmlns="">
           <p:sp>
             <p:nvSpPr>
               <p:cNvPr id="36" name="TextBox 35">
@@ -46135,8 +46154,8 @@
           </a:p>
         </p:txBody>
       </p:sp>
-      <mc:AlternateContent xmlns:mc="http://schemas.openxmlformats.org/markup-compatibility/2006">
-        <mc:Choice xmlns:a14="http://schemas.microsoft.com/office/drawing/2010/main" Requires="a14">
+      <mc:AlternateContent xmlns:mc="http://schemas.openxmlformats.org/markup-compatibility/2006" xmlns:a14="http://schemas.microsoft.com/office/drawing/2010/main">
+        <mc:Choice Requires="a14">
           <p:sp>
             <p:nvSpPr>
               <p:cNvPr id="33" name="TextBox 32">
@@ -46165,6 +46184,7 @@
               </a:bodyPr>
               <a:lstStyle/>
               <a:p>
+                <a:pPr/>
                 <a14:m>
                   <m:oMathPara xmlns:m="http://schemas.openxmlformats.org/officeDocument/2006/math">
                     <m:oMathParaPr>
@@ -46481,7 +46501,7 @@
             </p:txBody>
           </p:sp>
         </mc:Choice>
-        <mc:Fallback>
+        <mc:Fallback xmlns="">
           <p:sp>
             <p:nvSpPr>
               <p:cNvPr id="33" name="TextBox 32">
@@ -47130,6 +47150,12 @@
 </file>
 
 <file path=customXml/item1.xml><?xml version="1.0" encoding="utf-8"?>
+<p:properties xmlns:p="http://schemas.microsoft.com/office/2006/metadata/properties" xmlns:xsi="http://www.w3.org/2001/XMLSchema-instance" xmlns:pc="http://schemas.microsoft.com/office/infopath/2007/PartnerControls">
+  <documentManagement/>
+</p:properties>
+</file>
+
+<file path=customXml/item2.xml><?xml version="1.0" encoding="utf-8"?>
 <ct:contentTypeSchema xmlns:ct="http://schemas.microsoft.com/office/2006/metadata/contentType" xmlns:ma="http://schemas.microsoft.com/office/2006/metadata/properties/metaAttributes" ct:_="" ma:_="" ma:contentTypeName="문서" ma:contentTypeID="0x010100715F028AD40C664C940C722E57EC4A8A" ma:contentTypeVersion="2" ma:contentTypeDescription="새 문서를 만듭니다." ma:contentTypeScope="" ma:versionID="733dd2429cf53f154dea1cbec9acd9f5">
   <xsd:schema xmlns:xsd="http://www.w3.org/2001/XMLSchema" xmlns:xs="http://www.w3.org/2001/XMLSchema" xmlns:p="http://schemas.microsoft.com/office/2006/metadata/properties" xmlns:ns3="0689391c-fe69-479d-a32a-c682b48309f3" targetNamespace="http://schemas.microsoft.com/office/2006/metadata/properties" ma:root="true" ma:fieldsID="2cc757d55c9b9d666e63482c30993622" ns3:_="">
     <xsd:import namespace="0689391c-fe69-479d-a32a-c682b48309f3"/>
@@ -47261,12 +47287,6 @@
 </ct:contentTypeSchema>
 </file>
 
-<file path=customXml/item2.xml><?xml version="1.0" encoding="utf-8"?>
-<p:properties xmlns:p="http://schemas.microsoft.com/office/2006/metadata/properties" xmlns:xsi="http://www.w3.org/2001/XMLSchema-instance" xmlns:pc="http://schemas.microsoft.com/office/infopath/2007/PartnerControls">
-  <documentManagement/>
-</p:properties>
-</file>
-
 <file path=customXml/item3.xml><?xml version="1.0" encoding="utf-8"?>
 <?mso-contentType ?>
 <FormTemplates xmlns="http://schemas.microsoft.com/sharepoint/v3/contenttype/forms">
@@ -47277,6 +47297,22 @@
 </file>
 
 <file path=customXml/itemProps1.xml><?xml version="1.0" encoding="utf-8"?>
+<ds:datastoreItem xmlns:ds="http://schemas.openxmlformats.org/officeDocument/2006/customXml" ds:itemID="{36F3DF26-1173-4270-9890-F33D09EAA743}">
+  <ds:schemaRefs>
+    <ds:schemaRef ds:uri="http://purl.org/dc/terms/"/>
+    <ds:schemaRef ds:uri="http://purl.org/dc/elements/1.1/"/>
+    <ds:schemaRef ds:uri="http://purl.org/dc/dcmitype/"/>
+    <ds:schemaRef ds:uri="http://schemas.microsoft.com/office/infopath/2007/PartnerControls"/>
+    <ds:schemaRef ds:uri="http://schemas.openxmlformats.org/package/2006/metadata/core-properties"/>
+    <ds:schemaRef ds:uri="http://schemas.microsoft.com/office/2006/documentManagement/types"/>
+    <ds:schemaRef ds:uri="http://schemas.microsoft.com/office/2006/metadata/properties"/>
+    <ds:schemaRef ds:uri="0689391c-fe69-479d-a32a-c682b48309f3"/>
+    <ds:schemaRef ds:uri="http://www.w3.org/XML/1998/namespace"/>
+  </ds:schemaRefs>
+</ds:datastoreItem>
+</file>
+
+<file path=customXml/itemProps2.xml><?xml version="1.0" encoding="utf-8"?>
 <ds:datastoreItem xmlns:ds="http://schemas.openxmlformats.org/officeDocument/2006/customXml" ds:itemID="{479F54A3-79DB-4B20-81B8-2B7DB44B75C0}">
   <ds:schemaRefs>
     <ds:schemaRef ds:uri="http://schemas.microsoft.com/office/2006/metadata/contentType"/>
@@ -47294,22 +47330,6 @@
 </ds:datastoreItem>
 </file>
 
-<file path=customXml/itemProps2.xml><?xml version="1.0" encoding="utf-8"?>
-<ds:datastoreItem xmlns:ds="http://schemas.openxmlformats.org/officeDocument/2006/customXml" ds:itemID="{36F3DF26-1173-4270-9890-F33D09EAA743}">
-  <ds:schemaRefs>
-    <ds:schemaRef ds:uri="http://purl.org/dc/terms/"/>
-    <ds:schemaRef ds:uri="http://purl.org/dc/elements/1.1/"/>
-    <ds:schemaRef ds:uri="http://purl.org/dc/dcmitype/"/>
-    <ds:schemaRef ds:uri="http://schemas.microsoft.com/office/infopath/2007/PartnerControls"/>
-    <ds:schemaRef ds:uri="http://schemas.openxmlformats.org/package/2006/metadata/core-properties"/>
-    <ds:schemaRef ds:uri="http://schemas.microsoft.com/office/2006/documentManagement/types"/>
-    <ds:schemaRef ds:uri="http://schemas.microsoft.com/office/2006/metadata/properties"/>
-    <ds:schemaRef ds:uri="0689391c-fe69-479d-a32a-c682b48309f3"/>
-    <ds:schemaRef ds:uri="http://www.w3.org/XML/1998/namespace"/>
-  </ds:schemaRefs>
-</ds:datastoreItem>
-</file>
-
 <file path=customXml/itemProps3.xml><?xml version="1.0" encoding="utf-8"?>
 <ds:datastoreItem xmlns:ds="http://schemas.openxmlformats.org/officeDocument/2006/customXml" ds:itemID="{44BD24A1-BDC2-4CFC-AF59-EF864FCF7E99}">
   <ds:schemaRefs>
